--- a/Group 1 Project 3 DRAFT.pptx
+++ b/Group 1 Project 3 DRAFT.pptx
@@ -5,17 +5,21 @@
     <p:sldMasterId id="2147483648" r:id="rId1"/>
   </p:sldMasterIdLst>
   <p:notesMasterIdLst>
-    <p:notesMasterId r:id="rId10"/>
+    <p:notesMasterId r:id="rId14"/>
   </p:notesMasterIdLst>
   <p:sldIdLst>
     <p:sldId id="256" r:id="rId2"/>
     <p:sldId id="258" r:id="rId3"/>
     <p:sldId id="257" r:id="rId4"/>
-    <p:sldId id="259" r:id="rId5"/>
-    <p:sldId id="260" r:id="rId6"/>
+    <p:sldId id="264" r:id="rId5"/>
+    <p:sldId id="266" r:id="rId6"/>
     <p:sldId id="262" r:id="rId7"/>
-    <p:sldId id="261" r:id="rId8"/>
-    <p:sldId id="263" r:id="rId9"/>
+    <p:sldId id="269" r:id="rId8"/>
+    <p:sldId id="260" r:id="rId9"/>
+    <p:sldId id="268" r:id="rId10"/>
+    <p:sldId id="270" r:id="rId11"/>
+    <p:sldId id="263" r:id="rId12"/>
+    <p:sldId id="267" r:id="rId13"/>
   </p:sldIdLst>
   <p:sldSz cx="12192000" cy="6858000"/>
   <p:notesSz cx="6858000" cy="9144000"/>
@@ -114,6 +118,11 @@
       </a:defRPr>
     </a:lvl9pPr>
   </p:defaultTextStyle>
+  <p:extLst>
+    <p:ext uri="{EFAFB233-063F-42B5-8137-9DF3F51BA10A}">
+      <p15:sldGuideLst xmlns:p15="http://schemas.microsoft.com/office/powerpoint/2012/main"/>
+    </p:ext>
+  </p:extLst>
 </p:presentation>
 </file>
 
@@ -564,94 +573,6 @@
 </p:notes>
 </file>
 
-<file path=ppt/notesSlides/notesSlide2.xml><?xml version="1.0" encoding="utf-8"?>
-<p:notes xmlns:a="http://schemas.openxmlformats.org/drawingml/2006/main" xmlns:r="http://schemas.openxmlformats.org/officeDocument/2006/relationships" xmlns:p="http://schemas.openxmlformats.org/presentationml/2006/main">
-  <p:cSld>
-    <p:spTree>
-      <p:nvGrpSpPr>
-        <p:cNvPr id="1" name=""/>
-        <p:cNvGrpSpPr/>
-        <p:nvPr/>
-      </p:nvGrpSpPr>
-      <p:grpSpPr>
-        <a:xfrm>
-          <a:off x="0" y="0"/>
-          <a:ext cx="0" cy="0"/>
-          <a:chOff x="0" y="0"/>
-          <a:chExt cx="0" cy="0"/>
-        </a:xfrm>
-      </p:grpSpPr>
-      <p:sp>
-        <p:nvSpPr>
-          <p:cNvPr id="2" name="Slide Image Placeholder 1"/>
-          <p:cNvSpPr>
-            <a:spLocks noGrp="1" noRot="1" noChangeAspect="1"/>
-          </p:cNvSpPr>
-          <p:nvPr>
-            <p:ph type="sldImg"/>
-          </p:nvPr>
-        </p:nvSpPr>
-        <p:spPr/>
-      </p:sp>
-      <p:sp>
-        <p:nvSpPr>
-          <p:cNvPr id="3" name="Notes Placeholder 2"/>
-          <p:cNvSpPr>
-            <a:spLocks noGrp="1"/>
-          </p:cNvSpPr>
-          <p:nvPr>
-            <p:ph type="body" idx="1"/>
-          </p:nvPr>
-        </p:nvSpPr>
-        <p:spPr/>
-        <p:txBody>
-          <a:bodyPr/>
-          <a:lstStyle/>
-          <a:p>
-            <a:pPr marL="171450" indent="-171450">
-              <a:buFontTx/>
-              <a:buChar char="-"/>
-            </a:pPr>
-            <a:endParaRPr lang="en-US" dirty="0"/>
-          </a:p>
-        </p:txBody>
-      </p:sp>
-      <p:sp>
-        <p:nvSpPr>
-          <p:cNvPr id="4" name="Slide Number Placeholder 3"/>
-          <p:cNvSpPr>
-            <a:spLocks noGrp="1"/>
-          </p:cNvSpPr>
-          <p:nvPr>
-            <p:ph type="sldNum" sz="quarter" idx="5"/>
-          </p:nvPr>
-        </p:nvSpPr>
-        <p:spPr/>
-        <p:txBody>
-          <a:bodyPr/>
-          <a:lstStyle/>
-          <a:p>
-            <a:fld id="{F1816732-7C61-4013-AF95-1733947784D5}" type="slidenum">
-              <a:rPr lang="en-US" smtClean="0"/>
-              <a:t>4</a:t>
-            </a:fld>
-            <a:endParaRPr lang="en-US"/>
-          </a:p>
-        </p:txBody>
-      </p:sp>
-    </p:spTree>
-    <p:extLst>
-      <p:ext uri="{BB962C8B-B14F-4D97-AF65-F5344CB8AC3E}">
-        <p14:creationId xmlns:p14="http://schemas.microsoft.com/office/powerpoint/2010/main" val="2616600894"/>
-      </p:ext>
-    </p:extLst>
-  </p:cSld>
-  <p:clrMapOvr>
-    <a:masterClrMapping/>
-  </p:clrMapOvr>
-</p:notes>
-</file>
-
 <file path=ppt/slideLayouts/slideLayout1.xml><?xml version="1.0" encoding="utf-8"?>
 <p:sldLayout xmlns:a="http://schemas.openxmlformats.org/drawingml/2006/main" xmlns:r="http://schemas.openxmlformats.org/officeDocument/2006/relationships" xmlns:p="http://schemas.openxmlformats.org/presentationml/2006/main" showMasterSp="0" type="title" preserve="1">
   <p:cSld name="Title Slide">
@@ -709,7 +630,7 @@
           <a:noFill/>
           <a:extLst>
             <a:ext uri="{909E8E84-426E-40dd-AFC4-6F175D3DCCD1}">
-              <a14:hiddenFill xmlns:a14="http://schemas.microsoft.com/office/drawing/2010/main" xmlns="">
+              <a14:hiddenFill xmlns="" xmlns:a14="http://schemas.microsoft.com/office/drawing/2010/main">
                 <a:solidFill>
                   <a:srgbClr val="FFFFFF"/>
                 </a:solidFill>
@@ -769,7 +690,7 @@
             </a:ln>
             <a:extLst>
               <a:ext uri="{91240B29-F687-4f45-9708-019B960494DF}">
-                <a14:hiddenLine xmlns:a14="http://schemas.microsoft.com/office/drawing/2010/main" xmlns="" w="9525">
+                <a14:hiddenLine xmlns="" xmlns:a14="http://schemas.microsoft.com/office/drawing/2010/main" w="9525">
                   <a:solidFill>
                     <a:srgbClr val="000000"/>
                   </a:solidFill>
@@ -859,7 +780,7 @@
             </a:ln>
             <a:extLst>
               <a:ext uri="{91240B29-F687-4f45-9708-019B960494DF}">
-                <a14:hiddenLine xmlns:a14="http://schemas.microsoft.com/office/drawing/2010/main" xmlns="" w="9525">
+                <a14:hiddenLine xmlns="" xmlns:a14="http://schemas.microsoft.com/office/drawing/2010/main" w="9525">
                   <a:solidFill>
                     <a:srgbClr val="000000"/>
                   </a:solidFill>
@@ -949,7 +870,7 @@
             </a:ln>
             <a:extLst>
               <a:ext uri="{91240B29-F687-4f45-9708-019B960494DF}">
-                <a14:hiddenLine xmlns:a14="http://schemas.microsoft.com/office/drawing/2010/main" xmlns="" w="9525">
+                <a14:hiddenLine xmlns="" xmlns:a14="http://schemas.microsoft.com/office/drawing/2010/main" w="9525">
                   <a:solidFill>
                     <a:srgbClr val="000000"/>
                   </a:solidFill>
@@ -983,7 +904,7 @@
             </a:ln>
             <a:extLst>
               <a:ext uri="{91240B29-F687-4f45-9708-019B960494DF}">
-                <a14:hiddenLine xmlns:a14="http://schemas.microsoft.com/office/drawing/2010/main" xmlns="" w="9525">
+                <a14:hiddenLine xmlns="" xmlns:a14="http://schemas.microsoft.com/office/drawing/2010/main" w="9525">
                   <a:solidFill>
                     <a:srgbClr val="000000"/>
                   </a:solidFill>
@@ -1073,7 +994,7 @@
             </a:ln>
             <a:extLst>
               <a:ext uri="{91240B29-F687-4f45-9708-019B960494DF}">
-                <a14:hiddenLine xmlns:a14="http://schemas.microsoft.com/office/drawing/2010/main" xmlns="" w="9525">
+                <a14:hiddenLine xmlns="" xmlns:a14="http://schemas.microsoft.com/office/drawing/2010/main" w="9525">
                   <a:solidFill>
                     <a:srgbClr val="000000"/>
                   </a:solidFill>
@@ -1135,7 +1056,7 @@
             </a:ln>
             <a:extLst>
               <a:ext uri="{91240B29-F687-4f45-9708-019B960494DF}">
-                <a14:hiddenLine xmlns:a14="http://schemas.microsoft.com/office/drawing/2010/main" xmlns="" w="9525">
+                <a14:hiddenLine xmlns="" xmlns:a14="http://schemas.microsoft.com/office/drawing/2010/main" w="9525">
                   <a:solidFill>
                     <a:srgbClr val="000000"/>
                   </a:solidFill>
@@ -1197,7 +1118,7 @@
             </a:ln>
             <a:extLst>
               <a:ext uri="{91240B29-F687-4f45-9708-019B960494DF}">
-                <a14:hiddenLine xmlns:a14="http://schemas.microsoft.com/office/drawing/2010/main" xmlns="" w="9525">
+                <a14:hiddenLine xmlns="" xmlns:a14="http://schemas.microsoft.com/office/drawing/2010/main" w="9525">
                   <a:solidFill>
                     <a:srgbClr val="000000"/>
                   </a:solidFill>
@@ -1287,7 +1208,7 @@
             </a:ln>
             <a:extLst>
               <a:ext uri="{91240B29-F687-4f45-9708-019B960494DF}">
-                <a14:hiddenLine xmlns:a14="http://schemas.microsoft.com/office/drawing/2010/main" xmlns="" w="9525">
+                <a14:hiddenLine xmlns="" xmlns:a14="http://schemas.microsoft.com/office/drawing/2010/main" w="9525">
                   <a:solidFill>
                     <a:srgbClr val="000000"/>
                   </a:solidFill>
@@ -1349,7 +1270,7 @@
             </a:ln>
             <a:extLst>
               <a:ext uri="{91240B29-F687-4f45-9708-019B960494DF}">
-                <a14:hiddenLine xmlns:a14="http://schemas.microsoft.com/office/drawing/2010/main" xmlns="" w="9525">
+                <a14:hiddenLine xmlns="" xmlns:a14="http://schemas.microsoft.com/office/drawing/2010/main" w="9525">
                   <a:solidFill>
                     <a:srgbClr val="000000"/>
                   </a:solidFill>
@@ -1411,7 +1332,7 @@
             </a:ln>
             <a:extLst>
               <a:ext uri="{91240B29-F687-4f45-9708-019B960494DF}">
-                <a14:hiddenLine xmlns:a14="http://schemas.microsoft.com/office/drawing/2010/main" xmlns="" w="9525">
+                <a14:hiddenLine xmlns="" xmlns:a14="http://schemas.microsoft.com/office/drawing/2010/main" w="9525">
                   <a:solidFill>
                     <a:srgbClr val="000000"/>
                   </a:solidFill>
@@ -1501,7 +1422,7 @@
             </a:ln>
             <a:extLst>
               <a:ext uri="{91240B29-F687-4f45-9708-019B960494DF}">
-                <a14:hiddenLine xmlns:a14="http://schemas.microsoft.com/office/drawing/2010/main" xmlns="" w="9525">
+                <a14:hiddenLine xmlns="" xmlns:a14="http://schemas.microsoft.com/office/drawing/2010/main" w="9525">
                   <a:solidFill>
                     <a:srgbClr val="000000"/>
                   </a:solidFill>
@@ -1591,7 +1512,7 @@
             </a:ln>
             <a:extLst>
               <a:ext uri="{91240B29-F687-4f45-9708-019B960494DF}">
-                <a14:hiddenLine xmlns:a14="http://schemas.microsoft.com/office/drawing/2010/main" xmlns="" w="9525">
+                <a14:hiddenLine xmlns="" xmlns:a14="http://schemas.microsoft.com/office/drawing/2010/main" w="9525">
                   <a:solidFill>
                     <a:srgbClr val="000000"/>
                   </a:solidFill>
@@ -1653,7 +1574,7 @@
             </a:ln>
             <a:extLst>
               <a:ext uri="{91240B29-F687-4f45-9708-019B960494DF}">
-                <a14:hiddenLine xmlns:a14="http://schemas.microsoft.com/office/drawing/2010/main" xmlns="" w="9525">
+                <a14:hiddenLine xmlns="" xmlns:a14="http://schemas.microsoft.com/office/drawing/2010/main" w="9525">
                   <a:solidFill>
                     <a:srgbClr val="000000"/>
                   </a:solidFill>
@@ -1763,7 +1684,7 @@
             </a:ln>
             <a:extLst>
               <a:ext uri="{91240B29-F687-4f45-9708-019B960494DF}">
-                <a14:hiddenLine xmlns:a14="http://schemas.microsoft.com/office/drawing/2010/main" xmlns="" w="9525">
+                <a14:hiddenLine xmlns="" xmlns:a14="http://schemas.microsoft.com/office/drawing/2010/main" w="9525">
                   <a:solidFill>
                     <a:srgbClr val="000000"/>
                   </a:solidFill>
@@ -1825,7 +1746,7 @@
             </a:ln>
             <a:extLst>
               <a:ext uri="{91240B29-F687-4f45-9708-019B960494DF}">
-                <a14:hiddenLine xmlns:a14="http://schemas.microsoft.com/office/drawing/2010/main" xmlns="" w="9525">
+                <a14:hiddenLine xmlns="" xmlns:a14="http://schemas.microsoft.com/office/drawing/2010/main" w="9525">
                   <a:solidFill>
                     <a:srgbClr val="000000"/>
                   </a:solidFill>
@@ -1915,7 +1836,7 @@
             </a:ln>
             <a:extLst>
               <a:ext uri="{91240B29-F687-4f45-9708-019B960494DF}">
-                <a14:hiddenLine xmlns:a14="http://schemas.microsoft.com/office/drawing/2010/main" xmlns="" w="9525">
+                <a14:hiddenLine xmlns="" xmlns:a14="http://schemas.microsoft.com/office/drawing/2010/main" w="9525">
                   <a:solidFill>
                     <a:srgbClr val="000000"/>
                   </a:solidFill>
@@ -2005,7 +1926,7 @@
             </a:ln>
             <a:extLst>
               <a:ext uri="{91240B29-F687-4f45-9708-019B960494DF}">
-                <a14:hiddenLine xmlns:a14="http://schemas.microsoft.com/office/drawing/2010/main" xmlns="" w="9525">
+                <a14:hiddenLine xmlns="" xmlns:a14="http://schemas.microsoft.com/office/drawing/2010/main" w="9525">
                   <a:solidFill>
                     <a:srgbClr val="000000"/>
                   </a:solidFill>
@@ -2067,7 +1988,7 @@
             </a:ln>
             <a:extLst>
               <a:ext uri="{91240B29-F687-4f45-9708-019B960494DF}">
-                <a14:hiddenLine xmlns:a14="http://schemas.microsoft.com/office/drawing/2010/main" xmlns="" w="9525">
+                <a14:hiddenLine xmlns="" xmlns:a14="http://schemas.microsoft.com/office/drawing/2010/main" w="9525">
                   <a:solidFill>
                     <a:srgbClr val="000000"/>
                   </a:solidFill>
@@ -2157,7 +2078,7 @@
             </a:ln>
             <a:extLst>
               <a:ext uri="{91240B29-F687-4f45-9708-019B960494DF}">
-                <a14:hiddenLine xmlns:a14="http://schemas.microsoft.com/office/drawing/2010/main" xmlns="" w="9525">
+                <a14:hiddenLine xmlns="" xmlns:a14="http://schemas.microsoft.com/office/drawing/2010/main" w="9525">
                   <a:solidFill>
                     <a:srgbClr val="000000"/>
                   </a:solidFill>
@@ -2247,7 +2168,7 @@
             </a:ln>
             <a:extLst>
               <a:ext uri="{91240B29-F687-4f45-9708-019B960494DF}">
-                <a14:hiddenLine xmlns:a14="http://schemas.microsoft.com/office/drawing/2010/main" xmlns="" w="9525">
+                <a14:hiddenLine xmlns="" xmlns:a14="http://schemas.microsoft.com/office/drawing/2010/main" w="9525">
                   <a:solidFill>
                     <a:srgbClr val="000000"/>
                   </a:solidFill>
@@ -2303,7 +2224,7 @@
             </a:ln>
             <a:extLst>
               <a:ext uri="{91240B29-F687-4f45-9708-019B960494DF}">
-                <a14:hiddenLine xmlns:a14="http://schemas.microsoft.com/office/drawing/2010/main" xmlns="" w="9525">
+                <a14:hiddenLine xmlns="" xmlns:a14="http://schemas.microsoft.com/office/drawing/2010/main" w="9525">
                   <a:solidFill>
                     <a:srgbClr val="000000"/>
                   </a:solidFill>
@@ -2393,7 +2314,7 @@
             </a:ln>
             <a:extLst>
               <a:ext uri="{91240B29-F687-4f45-9708-019B960494DF}">
-                <a14:hiddenLine xmlns:a14="http://schemas.microsoft.com/office/drawing/2010/main" xmlns="" w="9525">
+                <a14:hiddenLine xmlns="" xmlns:a14="http://schemas.microsoft.com/office/drawing/2010/main" w="9525">
                   <a:solidFill>
                     <a:srgbClr val="000000"/>
                   </a:solidFill>
@@ -2449,7 +2370,7 @@
             </a:ln>
             <a:extLst>
               <a:ext uri="{91240B29-F687-4f45-9708-019B960494DF}">
-                <a14:hiddenLine xmlns:a14="http://schemas.microsoft.com/office/drawing/2010/main" xmlns="" w="9525">
+                <a14:hiddenLine xmlns="" xmlns:a14="http://schemas.microsoft.com/office/drawing/2010/main" w="9525">
                   <a:solidFill>
                     <a:srgbClr val="000000"/>
                   </a:solidFill>
@@ -2539,7 +2460,7 @@
             </a:ln>
             <a:extLst>
               <a:ext uri="{91240B29-F687-4f45-9708-019B960494DF}">
-                <a14:hiddenLine xmlns:a14="http://schemas.microsoft.com/office/drawing/2010/main" xmlns="" w="9525">
+                <a14:hiddenLine xmlns="" xmlns:a14="http://schemas.microsoft.com/office/drawing/2010/main" w="9525">
                   <a:solidFill>
                     <a:srgbClr val="000000"/>
                   </a:solidFill>
@@ -2607,7 +2528,7 @@
             </a:ln>
             <a:extLst>
               <a:ext uri="{91240B29-F687-4f45-9708-019B960494DF}">
-                <a14:hiddenLine xmlns:a14="http://schemas.microsoft.com/office/drawing/2010/main" xmlns="" w="9525">
+                <a14:hiddenLine xmlns="" xmlns:a14="http://schemas.microsoft.com/office/drawing/2010/main" w="9525">
                   <a:solidFill>
                     <a:srgbClr val="000000"/>
                   </a:solidFill>
@@ -2697,7 +2618,7 @@
             </a:ln>
             <a:extLst>
               <a:ext uri="{91240B29-F687-4f45-9708-019B960494DF}">
-                <a14:hiddenLine xmlns:a14="http://schemas.microsoft.com/office/drawing/2010/main" xmlns="" w="9525">
+                <a14:hiddenLine xmlns="" xmlns:a14="http://schemas.microsoft.com/office/drawing/2010/main" w="9525">
                   <a:solidFill>
                     <a:srgbClr val="000000"/>
                   </a:solidFill>
@@ -2765,7 +2686,7 @@
             </a:ln>
             <a:extLst>
               <a:ext uri="{91240B29-F687-4f45-9708-019B960494DF}">
-                <a14:hiddenLine xmlns:a14="http://schemas.microsoft.com/office/drawing/2010/main" xmlns="" w="9525">
+                <a14:hiddenLine xmlns="" xmlns:a14="http://schemas.microsoft.com/office/drawing/2010/main" w="9525">
                   <a:solidFill>
                     <a:srgbClr val="000000"/>
                   </a:solidFill>
@@ -2855,7 +2776,7 @@
             </a:ln>
             <a:extLst>
               <a:ext uri="{91240B29-F687-4f45-9708-019B960494DF}">
-                <a14:hiddenLine xmlns:a14="http://schemas.microsoft.com/office/drawing/2010/main" xmlns="" w="9525">
+                <a14:hiddenLine xmlns="" xmlns:a14="http://schemas.microsoft.com/office/drawing/2010/main" w="9525">
                   <a:solidFill>
                     <a:srgbClr val="000000"/>
                   </a:solidFill>
@@ -2889,7 +2810,7 @@
             </a:ln>
             <a:extLst>
               <a:ext uri="{91240B29-F687-4f45-9708-019B960494DF}">
-                <a14:hiddenLine xmlns:a14="http://schemas.microsoft.com/office/drawing/2010/main" xmlns="" w="9525">
+                <a14:hiddenLine xmlns="" xmlns:a14="http://schemas.microsoft.com/office/drawing/2010/main" w="9525">
                   <a:solidFill>
                     <a:srgbClr val="000000"/>
                   </a:solidFill>
@@ -2979,7 +2900,7 @@
             </a:ln>
             <a:extLst>
               <a:ext uri="{91240B29-F687-4f45-9708-019B960494DF}">
-                <a14:hiddenLine xmlns:a14="http://schemas.microsoft.com/office/drawing/2010/main" xmlns="" w="9525">
+                <a14:hiddenLine xmlns="" xmlns:a14="http://schemas.microsoft.com/office/drawing/2010/main" w="9525">
                   <a:solidFill>
                     <a:srgbClr val="000000"/>
                   </a:solidFill>
@@ -3041,7 +2962,7 @@
             </a:ln>
             <a:extLst>
               <a:ext uri="{91240B29-F687-4f45-9708-019B960494DF}">
-                <a14:hiddenLine xmlns:a14="http://schemas.microsoft.com/office/drawing/2010/main" xmlns="" w="9525">
+                <a14:hiddenLine xmlns="" xmlns:a14="http://schemas.microsoft.com/office/drawing/2010/main" w="9525">
                   <a:solidFill>
                     <a:srgbClr val="000000"/>
                   </a:solidFill>
@@ -3103,7 +3024,7 @@
             </a:ln>
             <a:extLst>
               <a:ext uri="{91240B29-F687-4f45-9708-019B960494DF}">
-                <a14:hiddenLine xmlns:a14="http://schemas.microsoft.com/office/drawing/2010/main" xmlns="" w="9525">
+                <a14:hiddenLine xmlns="" xmlns:a14="http://schemas.microsoft.com/office/drawing/2010/main" w="9525">
                   <a:solidFill>
                     <a:srgbClr val="000000"/>
                   </a:solidFill>
@@ -3193,7 +3114,7 @@
             </a:ln>
             <a:extLst>
               <a:ext uri="{91240B29-F687-4f45-9708-019B960494DF}">
-                <a14:hiddenLine xmlns:a14="http://schemas.microsoft.com/office/drawing/2010/main" xmlns="" w="9525">
+                <a14:hiddenLine xmlns="" xmlns:a14="http://schemas.microsoft.com/office/drawing/2010/main" w="9525">
                   <a:solidFill>
                     <a:srgbClr val="000000"/>
                   </a:solidFill>
@@ -3261,7 +3182,7 @@
             </a:ln>
             <a:extLst>
               <a:ext uri="{91240B29-F687-4f45-9708-019B960494DF}">
-                <a14:hiddenLine xmlns:a14="http://schemas.microsoft.com/office/drawing/2010/main" xmlns="" w="9525">
+                <a14:hiddenLine xmlns="" xmlns:a14="http://schemas.microsoft.com/office/drawing/2010/main" w="9525">
                   <a:solidFill>
                     <a:srgbClr val="000000"/>
                   </a:solidFill>
@@ -3323,7 +3244,7 @@
             </a:ln>
             <a:extLst>
               <a:ext uri="{91240B29-F687-4f45-9708-019B960494DF}">
-                <a14:hiddenLine xmlns:a14="http://schemas.microsoft.com/office/drawing/2010/main" xmlns="" w="9525">
+                <a14:hiddenLine xmlns="" xmlns:a14="http://schemas.microsoft.com/office/drawing/2010/main" w="9525">
                   <a:solidFill>
                     <a:srgbClr val="000000"/>
                   </a:solidFill>
@@ -3413,7 +3334,7 @@
             </a:ln>
             <a:extLst>
               <a:ext uri="{91240B29-F687-4f45-9708-019B960494DF}">
-                <a14:hiddenLine xmlns:a14="http://schemas.microsoft.com/office/drawing/2010/main" xmlns="" w="9525">
+                <a14:hiddenLine xmlns="" xmlns:a14="http://schemas.microsoft.com/office/drawing/2010/main" w="9525">
                   <a:solidFill>
                     <a:srgbClr val="000000"/>
                   </a:solidFill>
@@ -3475,7 +3396,7 @@
             </a:ln>
             <a:extLst>
               <a:ext uri="{91240B29-F687-4f45-9708-019B960494DF}">
-                <a14:hiddenLine xmlns:a14="http://schemas.microsoft.com/office/drawing/2010/main" xmlns="" w="9525">
+                <a14:hiddenLine xmlns="" xmlns:a14="http://schemas.microsoft.com/office/drawing/2010/main" w="9525">
                   <a:solidFill>
                     <a:srgbClr val="000000"/>
                   </a:solidFill>
@@ -3565,7 +3486,7 @@
             </a:ln>
             <a:extLst>
               <a:ext uri="{91240B29-F687-4f45-9708-019B960494DF}">
-                <a14:hiddenLine xmlns:a14="http://schemas.microsoft.com/office/drawing/2010/main" xmlns="" w="9525">
+                <a14:hiddenLine xmlns="" xmlns:a14="http://schemas.microsoft.com/office/drawing/2010/main" w="9525">
                   <a:solidFill>
                     <a:srgbClr val="000000"/>
                   </a:solidFill>
@@ -3627,7 +3548,7 @@
             </a:ln>
             <a:extLst>
               <a:ext uri="{91240B29-F687-4f45-9708-019B960494DF}">
-                <a14:hiddenLine xmlns:a14="http://schemas.microsoft.com/office/drawing/2010/main" xmlns="" w="9525">
+                <a14:hiddenLine xmlns="" xmlns:a14="http://schemas.microsoft.com/office/drawing/2010/main" w="9525">
                   <a:solidFill>
                     <a:srgbClr val="000000"/>
                   </a:solidFill>
@@ -3717,7 +3638,7 @@
             </a:ln>
             <a:extLst>
               <a:ext uri="{91240B29-F687-4f45-9708-019B960494DF}">
-                <a14:hiddenLine xmlns:a14="http://schemas.microsoft.com/office/drawing/2010/main" xmlns="" w="9525">
+                <a14:hiddenLine xmlns="" xmlns:a14="http://schemas.microsoft.com/office/drawing/2010/main" w="9525">
                   <a:solidFill>
                     <a:srgbClr val="000000"/>
                   </a:solidFill>
@@ -3751,7 +3672,7 @@
             </a:ln>
             <a:extLst>
               <a:ext uri="{91240B29-F687-4f45-9708-019B960494DF}">
-                <a14:hiddenLine xmlns:a14="http://schemas.microsoft.com/office/drawing/2010/main" xmlns="" w="9525">
+                <a14:hiddenLine xmlns="" xmlns:a14="http://schemas.microsoft.com/office/drawing/2010/main" w="9525">
                   <a:solidFill>
                     <a:srgbClr val="000000"/>
                   </a:solidFill>
@@ -3816,7 +3737,7 @@
             </a:ln>
             <a:extLst>
               <a:ext uri="{91240B29-F687-4f45-9708-019B960494DF}">
-                <a14:hiddenLine xmlns:a14="http://schemas.microsoft.com/office/drawing/2010/main" xmlns="" w="9525">
+                <a14:hiddenLine xmlns="" xmlns:a14="http://schemas.microsoft.com/office/drawing/2010/main" w="9525">
                   <a:solidFill>
                     <a:srgbClr val="000000"/>
                   </a:solidFill>
@@ -3906,7 +3827,7 @@
             </a:ln>
             <a:extLst>
               <a:ext uri="{91240B29-F687-4f45-9708-019B960494DF}">
-                <a14:hiddenLine xmlns:a14="http://schemas.microsoft.com/office/drawing/2010/main" xmlns="" w="9525">
+                <a14:hiddenLine xmlns="" xmlns:a14="http://schemas.microsoft.com/office/drawing/2010/main" w="9525">
                   <a:solidFill>
                     <a:srgbClr val="000000"/>
                   </a:solidFill>
@@ -3968,7 +3889,7 @@
             </a:ln>
             <a:extLst>
               <a:ext uri="{91240B29-F687-4f45-9708-019B960494DF}">
-                <a14:hiddenLine xmlns:a14="http://schemas.microsoft.com/office/drawing/2010/main" xmlns="" w="9525">
+                <a14:hiddenLine xmlns="" xmlns:a14="http://schemas.microsoft.com/office/drawing/2010/main" w="9525">
                   <a:solidFill>
                     <a:srgbClr val="000000"/>
                   </a:solidFill>
@@ -4058,7 +3979,7 @@
             </a:ln>
             <a:extLst>
               <a:ext uri="{91240B29-F687-4f45-9708-019B960494DF}">
-                <a14:hiddenLine xmlns:a14="http://schemas.microsoft.com/office/drawing/2010/main" xmlns="" w="9525">
+                <a14:hiddenLine xmlns="" xmlns:a14="http://schemas.microsoft.com/office/drawing/2010/main" w="9525">
                   <a:solidFill>
                     <a:srgbClr val="000000"/>
                   </a:solidFill>
@@ -4148,7 +4069,7 @@
             </a:ln>
             <a:extLst>
               <a:ext uri="{91240B29-F687-4f45-9708-019B960494DF}">
-                <a14:hiddenLine xmlns:a14="http://schemas.microsoft.com/office/drawing/2010/main" xmlns="" w="9525">
+                <a14:hiddenLine xmlns="" xmlns:a14="http://schemas.microsoft.com/office/drawing/2010/main" w="9525">
                   <a:solidFill>
                     <a:srgbClr val="000000"/>
                   </a:solidFill>
@@ -4213,7 +4134,7 @@
             </a:ln>
             <a:extLst>
               <a:ext uri="{91240B29-F687-4f45-9708-019B960494DF}">
-                <a14:hiddenLine xmlns:a14="http://schemas.microsoft.com/office/drawing/2010/main" xmlns="" w="9525">
+                <a14:hiddenLine xmlns="" xmlns:a14="http://schemas.microsoft.com/office/drawing/2010/main" w="9525">
                   <a:solidFill>
                     <a:srgbClr val="000000"/>
                   </a:solidFill>
@@ -4275,7 +4196,7 @@
             </a:ln>
             <a:extLst>
               <a:ext uri="{91240B29-F687-4f45-9708-019B960494DF}">
-                <a14:hiddenLine xmlns:a14="http://schemas.microsoft.com/office/drawing/2010/main" xmlns="" w="9525">
+                <a14:hiddenLine xmlns="" xmlns:a14="http://schemas.microsoft.com/office/drawing/2010/main" w="9525">
                   <a:solidFill>
                     <a:srgbClr val="000000"/>
                   </a:solidFill>
@@ -4365,7 +4286,7 @@
             </a:ln>
             <a:extLst>
               <a:ext uri="{91240B29-F687-4f45-9708-019B960494DF}">
-                <a14:hiddenLine xmlns:a14="http://schemas.microsoft.com/office/drawing/2010/main" xmlns="" w="9525">
+                <a14:hiddenLine xmlns="" xmlns:a14="http://schemas.microsoft.com/office/drawing/2010/main" w="9525">
                   <a:solidFill>
                     <a:srgbClr val="000000"/>
                   </a:solidFill>
@@ -4455,7 +4376,7 @@
             </a:ln>
             <a:extLst>
               <a:ext uri="{91240B29-F687-4f45-9708-019B960494DF}">
-                <a14:hiddenLine xmlns:a14="http://schemas.microsoft.com/office/drawing/2010/main" xmlns="" w="9525">
+                <a14:hiddenLine xmlns="" xmlns:a14="http://schemas.microsoft.com/office/drawing/2010/main" w="9525">
                   <a:solidFill>
                     <a:srgbClr val="000000"/>
                   </a:solidFill>
@@ -4517,7 +4438,7 @@
             </a:ln>
             <a:extLst>
               <a:ext uri="{91240B29-F687-4f45-9708-019B960494DF}">
-                <a14:hiddenLine xmlns:a14="http://schemas.microsoft.com/office/drawing/2010/main" xmlns="" w="9525">
+                <a14:hiddenLine xmlns="" xmlns:a14="http://schemas.microsoft.com/office/drawing/2010/main" w="9525">
                   <a:solidFill>
                     <a:srgbClr val="000000"/>
                   </a:solidFill>
@@ -4637,7 +4558,7 @@
             </a:ln>
             <a:extLst>
               <a:ext uri="{91240B29-F687-4f45-9708-019B960494DF}">
-                <a14:hiddenLine xmlns:a14="http://schemas.microsoft.com/office/drawing/2010/main" xmlns="" w="9525">
+                <a14:hiddenLine xmlns="" xmlns:a14="http://schemas.microsoft.com/office/drawing/2010/main" w="9525">
                   <a:solidFill>
                     <a:srgbClr val="000000"/>
                   </a:solidFill>
@@ -4705,7 +4626,7 @@
             </a:ln>
             <a:extLst>
               <a:ext uri="{91240B29-F687-4f45-9708-019B960494DF}">
-                <a14:hiddenLine xmlns:a14="http://schemas.microsoft.com/office/drawing/2010/main" xmlns="" w="9525">
+                <a14:hiddenLine xmlns="" xmlns:a14="http://schemas.microsoft.com/office/drawing/2010/main" w="9525">
                   <a:solidFill>
                     <a:srgbClr val="000000"/>
                   </a:solidFill>
@@ -4795,7 +4716,7 @@
             </a:ln>
             <a:extLst>
               <a:ext uri="{91240B29-F687-4f45-9708-019B960494DF}">
-                <a14:hiddenLine xmlns:a14="http://schemas.microsoft.com/office/drawing/2010/main" xmlns="" w="9525">
+                <a14:hiddenLine xmlns="" xmlns:a14="http://schemas.microsoft.com/office/drawing/2010/main" w="9525">
                   <a:solidFill>
                     <a:srgbClr val="000000"/>
                   </a:solidFill>
@@ -9524,7 +9445,7 @@
           <a:noFill/>
           <a:extLst>
             <a:ext uri="{909E8E84-426E-40dd-AFC4-6F175D3DCCD1}">
-              <a14:hiddenFill xmlns:a14="http://schemas.microsoft.com/office/drawing/2010/main" xmlns="">
+              <a14:hiddenFill xmlns="" xmlns:a14="http://schemas.microsoft.com/office/drawing/2010/main">
                 <a:solidFill>
                   <a:srgbClr val="FFFFFF"/>
                 </a:solidFill>
@@ -9598,7 +9519,7 @@
               </a:ln>
               <a:extLst>
                 <a:ext uri="{91240B29-F687-4f45-9708-019B960494DF}">
-                  <a14:hiddenLine xmlns:a14="http://schemas.microsoft.com/office/drawing/2010/main" xmlns="" w="9525">
+                  <a14:hiddenLine xmlns="" xmlns:a14="http://schemas.microsoft.com/office/drawing/2010/main" w="9525">
                     <a:solidFill>
                       <a:srgbClr val="000000"/>
                     </a:solidFill>
@@ -9688,7 +9609,7 @@
               </a:ln>
               <a:extLst>
                 <a:ext uri="{91240B29-F687-4f45-9708-019B960494DF}">
-                  <a14:hiddenLine xmlns:a14="http://schemas.microsoft.com/office/drawing/2010/main" xmlns="" w="9525">
+                  <a14:hiddenLine xmlns="" xmlns:a14="http://schemas.microsoft.com/office/drawing/2010/main" w="9525">
                     <a:solidFill>
                       <a:srgbClr val="000000"/>
                     </a:solidFill>
@@ -9778,7 +9699,7 @@
               </a:ln>
               <a:extLst>
                 <a:ext uri="{91240B29-F687-4f45-9708-019B960494DF}">
-                  <a14:hiddenLine xmlns:a14="http://schemas.microsoft.com/office/drawing/2010/main" xmlns="" w="9525">
+                  <a14:hiddenLine xmlns="" xmlns:a14="http://schemas.microsoft.com/office/drawing/2010/main" w="9525">
                     <a:solidFill>
                       <a:srgbClr val="000000"/>
                     </a:solidFill>
@@ -9840,7 +9761,7 @@
               </a:ln>
               <a:extLst>
                 <a:ext uri="{91240B29-F687-4f45-9708-019B960494DF}">
-                  <a14:hiddenLine xmlns:a14="http://schemas.microsoft.com/office/drawing/2010/main" xmlns="" w="9525">
+                  <a14:hiddenLine xmlns="" xmlns:a14="http://schemas.microsoft.com/office/drawing/2010/main" w="9525">
                     <a:solidFill>
                       <a:srgbClr val="000000"/>
                     </a:solidFill>
@@ -9930,7 +9851,7 @@
               </a:ln>
               <a:extLst>
                 <a:ext uri="{91240B29-F687-4f45-9708-019B960494DF}">
-                  <a14:hiddenLine xmlns:a14="http://schemas.microsoft.com/office/drawing/2010/main" xmlns="" w="9525">
+                  <a14:hiddenLine xmlns="" xmlns:a14="http://schemas.microsoft.com/office/drawing/2010/main" w="9525">
                     <a:solidFill>
                       <a:srgbClr val="000000"/>
                     </a:solidFill>
@@ -9992,7 +9913,7 @@
               </a:ln>
               <a:extLst>
                 <a:ext uri="{91240B29-F687-4f45-9708-019B960494DF}">
-                  <a14:hiddenLine xmlns:a14="http://schemas.microsoft.com/office/drawing/2010/main" xmlns="" w="9525">
+                  <a14:hiddenLine xmlns="" xmlns:a14="http://schemas.microsoft.com/office/drawing/2010/main" w="9525">
                     <a:solidFill>
                       <a:srgbClr val="000000"/>
                     </a:solidFill>
@@ -10054,7 +9975,7 @@
               </a:ln>
               <a:extLst>
                 <a:ext uri="{91240B29-F687-4f45-9708-019B960494DF}">
-                  <a14:hiddenLine xmlns:a14="http://schemas.microsoft.com/office/drawing/2010/main" xmlns="" w="9525">
+                  <a14:hiddenLine xmlns="" xmlns:a14="http://schemas.microsoft.com/office/drawing/2010/main" w="9525">
                     <a:solidFill>
                       <a:srgbClr val="000000"/>
                     </a:solidFill>
@@ -10144,7 +10065,7 @@
               </a:ln>
               <a:extLst>
                 <a:ext uri="{91240B29-F687-4f45-9708-019B960494DF}">
-                  <a14:hiddenLine xmlns:a14="http://schemas.microsoft.com/office/drawing/2010/main" xmlns="" w="9525">
+                  <a14:hiddenLine xmlns="" xmlns:a14="http://schemas.microsoft.com/office/drawing/2010/main" w="9525">
                     <a:solidFill>
                       <a:srgbClr val="000000"/>
                     </a:solidFill>
@@ -10234,7 +10155,7 @@
               </a:ln>
               <a:extLst>
                 <a:ext uri="{91240B29-F687-4f45-9708-019B960494DF}">
-                  <a14:hiddenLine xmlns:a14="http://schemas.microsoft.com/office/drawing/2010/main" xmlns="" w="9525">
+                  <a14:hiddenLine xmlns="" xmlns:a14="http://schemas.microsoft.com/office/drawing/2010/main" w="9525">
                     <a:solidFill>
                       <a:srgbClr val="000000"/>
                     </a:solidFill>
@@ -10296,7 +10217,7 @@
               </a:ln>
               <a:extLst>
                 <a:ext uri="{91240B29-F687-4f45-9708-019B960494DF}">
-                  <a14:hiddenLine xmlns:a14="http://schemas.microsoft.com/office/drawing/2010/main" xmlns="" w="9525">
+                  <a14:hiddenLine xmlns="" xmlns:a14="http://schemas.microsoft.com/office/drawing/2010/main" w="9525">
                     <a:solidFill>
                       <a:srgbClr val="000000"/>
                     </a:solidFill>
@@ -10406,7 +10327,7 @@
               </a:ln>
               <a:extLst>
                 <a:ext uri="{91240B29-F687-4f45-9708-019B960494DF}">
-                  <a14:hiddenLine xmlns:a14="http://schemas.microsoft.com/office/drawing/2010/main" xmlns="" w="9525">
+                  <a14:hiddenLine xmlns="" xmlns:a14="http://schemas.microsoft.com/office/drawing/2010/main" w="9525">
                     <a:solidFill>
                       <a:srgbClr val="000000"/>
                     </a:solidFill>
@@ -10490,7 +10411,7 @@
               </a:ln>
               <a:extLst>
                 <a:ext uri="{91240B29-F687-4f45-9708-019B960494DF}">
-                  <a14:hiddenLine xmlns:a14="http://schemas.microsoft.com/office/drawing/2010/main" xmlns="" w="9525">
+                  <a14:hiddenLine xmlns="" xmlns:a14="http://schemas.microsoft.com/office/drawing/2010/main" w="9525">
                     <a:solidFill>
                       <a:srgbClr val="000000"/>
                     </a:solidFill>
@@ -10552,7 +10473,7 @@
               </a:ln>
               <a:extLst>
                 <a:ext uri="{91240B29-F687-4f45-9708-019B960494DF}">
-                  <a14:hiddenLine xmlns:a14="http://schemas.microsoft.com/office/drawing/2010/main" xmlns="" w="9525">
+                  <a14:hiddenLine xmlns="" xmlns:a14="http://schemas.microsoft.com/office/drawing/2010/main" w="9525">
                     <a:solidFill>
                       <a:srgbClr val="000000"/>
                     </a:solidFill>
@@ -10614,7 +10535,7 @@
               </a:ln>
               <a:extLst>
                 <a:ext uri="{91240B29-F687-4f45-9708-019B960494DF}">
-                  <a14:hiddenLine xmlns:a14="http://schemas.microsoft.com/office/drawing/2010/main" xmlns="" w="9525">
+                  <a14:hiddenLine xmlns="" xmlns:a14="http://schemas.microsoft.com/office/drawing/2010/main" w="9525">
                     <a:solidFill>
                       <a:srgbClr val="000000"/>
                     </a:solidFill>
@@ -10704,7 +10625,7 @@
               </a:ln>
               <a:extLst>
                 <a:ext uri="{91240B29-F687-4f45-9708-019B960494DF}">
-                  <a14:hiddenLine xmlns:a14="http://schemas.microsoft.com/office/drawing/2010/main" xmlns="" w="9525">
+                  <a14:hiddenLine xmlns="" xmlns:a14="http://schemas.microsoft.com/office/drawing/2010/main" w="9525">
                     <a:solidFill>
                       <a:srgbClr val="000000"/>
                     </a:solidFill>
@@ -10738,7 +10659,7 @@
               </a:ln>
               <a:extLst>
                 <a:ext uri="{91240B29-F687-4f45-9708-019B960494DF}">
-                  <a14:hiddenLine xmlns:a14="http://schemas.microsoft.com/office/drawing/2010/main" xmlns="" w="9525">
+                  <a14:hiddenLine xmlns="" xmlns:a14="http://schemas.microsoft.com/office/drawing/2010/main" w="9525">
                     <a:solidFill>
                       <a:srgbClr val="000000"/>
                     </a:solidFill>
@@ -10803,7 +10724,7 @@
               </a:ln>
               <a:extLst>
                 <a:ext uri="{91240B29-F687-4f45-9708-019B960494DF}">
-                  <a14:hiddenLine xmlns:a14="http://schemas.microsoft.com/office/drawing/2010/main" xmlns="" w="9525">
+                  <a14:hiddenLine xmlns="" xmlns:a14="http://schemas.microsoft.com/office/drawing/2010/main" w="9525">
                     <a:solidFill>
                       <a:srgbClr val="000000"/>
                     </a:solidFill>
@@ -10893,7 +10814,7 @@
               </a:ln>
               <a:extLst>
                 <a:ext uri="{91240B29-F687-4f45-9708-019B960494DF}">
-                  <a14:hiddenLine xmlns:a14="http://schemas.microsoft.com/office/drawing/2010/main" xmlns="" w="9525">
+                  <a14:hiddenLine xmlns="" xmlns:a14="http://schemas.microsoft.com/office/drawing/2010/main" w="9525">
                     <a:solidFill>
                       <a:srgbClr val="000000"/>
                     </a:solidFill>
@@ -10955,7 +10876,7 @@
               </a:ln>
               <a:extLst>
                 <a:ext uri="{91240B29-F687-4f45-9708-019B960494DF}">
-                  <a14:hiddenLine xmlns:a14="http://schemas.microsoft.com/office/drawing/2010/main" xmlns="" w="9525">
+                  <a14:hiddenLine xmlns="" xmlns:a14="http://schemas.microsoft.com/office/drawing/2010/main" w="9525">
                     <a:solidFill>
                       <a:srgbClr val="000000"/>
                     </a:solidFill>
@@ -11045,7 +10966,7 @@
               </a:ln>
               <a:extLst>
                 <a:ext uri="{91240B29-F687-4f45-9708-019B960494DF}">
-                  <a14:hiddenLine xmlns:a14="http://schemas.microsoft.com/office/drawing/2010/main" xmlns="" w="9525">
+                  <a14:hiddenLine xmlns="" xmlns:a14="http://schemas.microsoft.com/office/drawing/2010/main" w="9525">
                     <a:solidFill>
                       <a:srgbClr val="000000"/>
                     </a:solidFill>
@@ -11110,7 +11031,7 @@
               </a:ln>
               <a:extLst>
                 <a:ext uri="{91240B29-F687-4f45-9708-019B960494DF}">
-                  <a14:hiddenLine xmlns:a14="http://schemas.microsoft.com/office/drawing/2010/main" xmlns="" w="9525">
+                  <a14:hiddenLine xmlns="" xmlns:a14="http://schemas.microsoft.com/office/drawing/2010/main" w="9525">
                     <a:solidFill>
                       <a:srgbClr val="000000"/>
                     </a:solidFill>
@@ -11172,7 +11093,7 @@
               </a:ln>
               <a:extLst>
                 <a:ext uri="{91240B29-F687-4f45-9708-019B960494DF}">
-                  <a14:hiddenLine xmlns:a14="http://schemas.microsoft.com/office/drawing/2010/main" xmlns="" w="9525">
+                  <a14:hiddenLine xmlns="" xmlns:a14="http://schemas.microsoft.com/office/drawing/2010/main" w="9525">
                     <a:solidFill>
                       <a:srgbClr val="000000"/>
                     </a:solidFill>
@@ -11262,7 +11183,7 @@
               </a:ln>
               <a:extLst>
                 <a:ext uri="{91240B29-F687-4f45-9708-019B960494DF}">
-                  <a14:hiddenLine xmlns:a14="http://schemas.microsoft.com/office/drawing/2010/main" xmlns="" w="9525">
+                  <a14:hiddenLine xmlns="" xmlns:a14="http://schemas.microsoft.com/office/drawing/2010/main" w="9525">
                     <a:solidFill>
                       <a:srgbClr val="000000"/>
                     </a:solidFill>
@@ -11352,7 +11273,7 @@
               </a:ln>
               <a:extLst>
                 <a:ext uri="{91240B29-F687-4f45-9708-019B960494DF}">
-                  <a14:hiddenLine xmlns:a14="http://schemas.microsoft.com/office/drawing/2010/main" xmlns="" w="9525">
+                  <a14:hiddenLine xmlns="" xmlns:a14="http://schemas.microsoft.com/office/drawing/2010/main" w="9525">
                     <a:solidFill>
                       <a:srgbClr val="000000"/>
                     </a:solidFill>
@@ -11417,7 +11338,7 @@
               </a:ln>
               <a:extLst>
                 <a:ext uri="{91240B29-F687-4f45-9708-019B960494DF}">
-                  <a14:hiddenLine xmlns:a14="http://schemas.microsoft.com/office/drawing/2010/main" xmlns="" w="9525">
+                  <a14:hiddenLine xmlns="" xmlns:a14="http://schemas.microsoft.com/office/drawing/2010/main" w="9525">
                     <a:solidFill>
                       <a:srgbClr val="000000"/>
                     </a:solidFill>
@@ -11537,7 +11458,7 @@
               </a:ln>
               <a:extLst>
                 <a:ext uri="{91240B29-F687-4f45-9708-019B960494DF}">
-                  <a14:hiddenLine xmlns:a14="http://schemas.microsoft.com/office/drawing/2010/main" xmlns="" w="9525">
+                  <a14:hiddenLine xmlns="" xmlns:a14="http://schemas.microsoft.com/office/drawing/2010/main" w="9525">
                     <a:solidFill>
                       <a:srgbClr val="000000"/>
                     </a:solidFill>
@@ -11635,7 +11556,7 @@
               </a:ln>
               <a:extLst>
                 <a:ext uri="{91240B29-F687-4f45-9708-019B960494DF}">
-                  <a14:hiddenLine xmlns:a14="http://schemas.microsoft.com/office/drawing/2010/main" xmlns="" w="9525">
+                  <a14:hiddenLine xmlns="" xmlns:a14="http://schemas.microsoft.com/office/drawing/2010/main" w="9525">
                     <a:solidFill>
                       <a:srgbClr val="000000"/>
                     </a:solidFill>
@@ -11750,7 +11671,7 @@
               </a:ln>
               <a:extLst>
                 <a:ext uri="{91240B29-F687-4f45-9708-019B960494DF}">
-                  <a14:hiddenLine xmlns:a14="http://schemas.microsoft.com/office/drawing/2010/main" xmlns="" w="9525">
+                  <a14:hiddenLine xmlns="" xmlns:a14="http://schemas.microsoft.com/office/drawing/2010/main" w="9525">
                     <a:solidFill>
                       <a:srgbClr val="000000"/>
                     </a:solidFill>
@@ -11840,7 +11761,7 @@
               </a:ln>
               <a:extLst>
                 <a:ext uri="{91240B29-F687-4f45-9708-019B960494DF}">
-                  <a14:hiddenLine xmlns:a14="http://schemas.microsoft.com/office/drawing/2010/main" xmlns="" w="9525">
+                  <a14:hiddenLine xmlns="" xmlns:a14="http://schemas.microsoft.com/office/drawing/2010/main" w="9525">
                     <a:solidFill>
                       <a:srgbClr val="000000"/>
                     </a:solidFill>
@@ -11905,7 +11826,7 @@
               </a:ln>
               <a:extLst>
                 <a:ext uri="{91240B29-F687-4f45-9708-019B960494DF}">
-                  <a14:hiddenLine xmlns:a14="http://schemas.microsoft.com/office/drawing/2010/main" xmlns="" w="9525">
+                  <a14:hiddenLine xmlns="" xmlns:a14="http://schemas.microsoft.com/office/drawing/2010/main" w="9525">
                     <a:solidFill>
                       <a:srgbClr val="000000"/>
                     </a:solidFill>
@@ -11995,7 +11916,7 @@
               </a:ln>
               <a:extLst>
                 <a:ext uri="{91240B29-F687-4f45-9708-019B960494DF}">
-                  <a14:hiddenLine xmlns:a14="http://schemas.microsoft.com/office/drawing/2010/main" xmlns="" w="9525">
+                  <a14:hiddenLine xmlns="" xmlns:a14="http://schemas.microsoft.com/office/drawing/2010/main" w="9525">
                     <a:solidFill>
                       <a:srgbClr val="000000"/>
                     </a:solidFill>
@@ -12063,7 +11984,7 @@
               </a:ln>
               <a:extLst>
                 <a:ext uri="{91240B29-F687-4f45-9708-019B960494DF}">
-                  <a14:hiddenLine xmlns:a14="http://schemas.microsoft.com/office/drawing/2010/main" xmlns="" w="9525">
+                  <a14:hiddenLine xmlns="" xmlns:a14="http://schemas.microsoft.com/office/drawing/2010/main" w="9525">
                     <a:solidFill>
                       <a:srgbClr val="000000"/>
                     </a:solidFill>
@@ -12153,7 +12074,7 @@
               </a:ln>
               <a:extLst>
                 <a:ext uri="{91240B29-F687-4f45-9708-019B960494DF}">
-                  <a14:hiddenLine xmlns:a14="http://schemas.microsoft.com/office/drawing/2010/main" xmlns="" w="9525">
+                  <a14:hiddenLine xmlns="" xmlns:a14="http://schemas.microsoft.com/office/drawing/2010/main" w="9525">
                     <a:solidFill>
                       <a:srgbClr val="000000"/>
                     </a:solidFill>
@@ -12221,7 +12142,7 @@
               </a:ln>
               <a:extLst>
                 <a:ext uri="{91240B29-F687-4f45-9708-019B960494DF}">
-                  <a14:hiddenLine xmlns:a14="http://schemas.microsoft.com/office/drawing/2010/main" xmlns="" w="9525">
+                  <a14:hiddenLine xmlns="" xmlns:a14="http://schemas.microsoft.com/office/drawing/2010/main" w="9525">
                     <a:solidFill>
                       <a:srgbClr val="000000"/>
                     </a:solidFill>
@@ -12311,7 +12232,7 @@
               </a:ln>
               <a:extLst>
                 <a:ext uri="{91240B29-F687-4f45-9708-019B960494DF}">
-                  <a14:hiddenLine xmlns:a14="http://schemas.microsoft.com/office/drawing/2010/main" xmlns="" w="9525">
+                  <a14:hiddenLine xmlns="" xmlns:a14="http://schemas.microsoft.com/office/drawing/2010/main" w="9525">
                     <a:solidFill>
                       <a:srgbClr val="000000"/>
                     </a:solidFill>
@@ -12345,7 +12266,7 @@
               </a:ln>
               <a:extLst>
                 <a:ext uri="{91240B29-F687-4f45-9708-019B960494DF}">
-                  <a14:hiddenLine xmlns:a14="http://schemas.microsoft.com/office/drawing/2010/main" xmlns="" w="9525">
+                  <a14:hiddenLine xmlns="" xmlns:a14="http://schemas.microsoft.com/office/drawing/2010/main" w="9525">
                     <a:solidFill>
                       <a:srgbClr val="000000"/>
                     </a:solidFill>
@@ -12981,7 +12902,7 @@
             </a:br>
             <a:r>
               <a:rPr lang="en-US" dirty="0"/>
-              <a:t>DATA ENGINEERING: creating a restaurant ratings database and mapping tool</a:t>
+              <a:t>DATA ENGINEERING: creating a restaurant ratings database</a:t>
             </a:r>
           </a:p>
         </p:txBody>
@@ -13042,6 +12963,331 @@
     <p:extLst>
       <p:ext uri="{BB962C8B-B14F-4D97-AF65-F5344CB8AC3E}">
         <p14:creationId xmlns:p14="http://schemas.microsoft.com/office/powerpoint/2010/main" val="2273576425"/>
+      </p:ext>
+    </p:extLst>
+  </p:cSld>
+  <p:clrMapOvr>
+    <a:masterClrMapping/>
+  </p:clrMapOvr>
+</p:sld>
+</file>
+
+<file path=ppt/slides/slide10.xml><?xml version="1.0" encoding="utf-8"?>
+<p:sld xmlns:a="http://schemas.openxmlformats.org/drawingml/2006/main" xmlns:r="http://schemas.openxmlformats.org/officeDocument/2006/relationships" xmlns:p="http://schemas.openxmlformats.org/presentationml/2006/main">
+  <p:cSld>
+    <p:spTree>
+      <p:nvGrpSpPr>
+        <p:cNvPr id="1" name=""/>
+        <p:cNvGrpSpPr/>
+        <p:nvPr/>
+      </p:nvGrpSpPr>
+      <p:grpSpPr>
+        <a:xfrm>
+          <a:off x="0" y="0"/>
+          <a:ext cx="0" cy="0"/>
+          <a:chOff x="0" y="0"/>
+          <a:chExt cx="0" cy="0"/>
+        </a:xfrm>
+      </p:grpSpPr>
+      <p:sp>
+        <p:nvSpPr>
+          <p:cNvPr id="2" name="Title 1">
+            <a:extLst>
+              <a:ext uri="{FF2B5EF4-FFF2-40B4-BE49-F238E27FC236}">
+                <a16:creationId xmlns:a16="http://schemas.microsoft.com/office/drawing/2014/main" id="{C61F8B6A-7C86-4750-AB4C-3D204E18E397}"/>
+              </a:ext>
+            </a:extLst>
+          </p:cNvPr>
+          <p:cNvSpPr>
+            <a:spLocks noGrp="1"/>
+          </p:cNvSpPr>
+          <p:nvPr>
+            <p:ph type="title"/>
+          </p:nvPr>
+        </p:nvSpPr>
+        <p:spPr/>
+        <p:txBody>
+          <a:bodyPr/>
+          <a:lstStyle/>
+          <a:p>
+            <a:r>
+              <a:rPr lang="en-US" dirty="0"/>
+              <a:t>Folium/leaflet map</a:t>
+            </a:r>
+          </a:p>
+        </p:txBody>
+      </p:sp>
+      <p:sp>
+        <p:nvSpPr>
+          <p:cNvPr id="3" name="Content Placeholder 2">
+            <a:extLst>
+              <a:ext uri="{FF2B5EF4-FFF2-40B4-BE49-F238E27FC236}">
+                <a16:creationId xmlns:a16="http://schemas.microsoft.com/office/drawing/2014/main" id="{0BE3CC1D-4B7E-461F-9E17-7EDD0951E0B7}"/>
+              </a:ext>
+            </a:extLst>
+          </p:cNvPr>
+          <p:cNvSpPr>
+            <a:spLocks noGrp="1"/>
+          </p:cNvSpPr>
+          <p:nvPr>
+            <p:ph idx="1"/>
+          </p:nvPr>
+        </p:nvSpPr>
+        <p:spPr/>
+        <p:txBody>
+          <a:bodyPr/>
+          <a:lstStyle/>
+          <a:p>
+            <a:endParaRPr lang="en-US"/>
+          </a:p>
+        </p:txBody>
+      </p:sp>
+      <p:sp>
+        <p:nvSpPr>
+          <p:cNvPr id="4" name="Text Placeholder 3">
+            <a:extLst>
+              <a:ext uri="{FF2B5EF4-FFF2-40B4-BE49-F238E27FC236}">
+                <a16:creationId xmlns:a16="http://schemas.microsoft.com/office/drawing/2014/main" id="{08FBB1B0-0565-4687-94A5-46DE439FC7A5}"/>
+              </a:ext>
+            </a:extLst>
+          </p:cNvPr>
+          <p:cNvSpPr>
+            <a:spLocks noGrp="1"/>
+          </p:cNvSpPr>
+          <p:nvPr>
+            <p:ph type="body" sz="half" idx="2"/>
+          </p:nvPr>
+        </p:nvSpPr>
+        <p:spPr/>
+        <p:txBody>
+          <a:bodyPr/>
+          <a:lstStyle/>
+          <a:p>
+            <a:endParaRPr lang="en-US" dirty="0"/>
+          </a:p>
+        </p:txBody>
+      </p:sp>
+    </p:spTree>
+    <p:extLst>
+      <p:ext uri="{BB962C8B-B14F-4D97-AF65-F5344CB8AC3E}">
+        <p14:creationId xmlns:p14="http://schemas.microsoft.com/office/powerpoint/2010/main" val="2091085714"/>
+      </p:ext>
+    </p:extLst>
+  </p:cSld>
+  <p:clrMapOvr>
+    <a:masterClrMapping/>
+  </p:clrMapOvr>
+</p:sld>
+</file>
+
+<file path=ppt/slides/slide11.xml><?xml version="1.0" encoding="utf-8"?>
+<p:sld xmlns:a="http://schemas.openxmlformats.org/drawingml/2006/main" xmlns:r="http://schemas.openxmlformats.org/officeDocument/2006/relationships" xmlns:p="http://schemas.openxmlformats.org/presentationml/2006/main">
+  <p:cSld>
+    <p:spTree>
+      <p:nvGrpSpPr>
+        <p:cNvPr id="1" name=""/>
+        <p:cNvGrpSpPr/>
+        <p:nvPr/>
+      </p:nvGrpSpPr>
+      <p:grpSpPr>
+        <a:xfrm>
+          <a:off x="0" y="0"/>
+          <a:ext cx="0" cy="0"/>
+          <a:chOff x="0" y="0"/>
+          <a:chExt cx="0" cy="0"/>
+        </a:xfrm>
+      </p:grpSpPr>
+      <p:sp>
+        <p:nvSpPr>
+          <p:cNvPr id="2" name="Title 1">
+            <a:extLst>
+              <a:ext uri="{FF2B5EF4-FFF2-40B4-BE49-F238E27FC236}">
+                <a16:creationId xmlns:a16="http://schemas.microsoft.com/office/drawing/2014/main" id="{CCB7FC93-448A-4173-9E53-AB6151CFA7C7}"/>
+              </a:ext>
+            </a:extLst>
+          </p:cNvPr>
+          <p:cNvSpPr>
+            <a:spLocks noGrp="1"/>
+          </p:cNvSpPr>
+          <p:nvPr>
+            <p:ph type="title"/>
+          </p:nvPr>
+        </p:nvSpPr>
+        <p:spPr/>
+        <p:txBody>
+          <a:bodyPr/>
+          <a:lstStyle/>
+          <a:p>
+            <a:r>
+              <a:rPr lang="en-US" dirty="0"/>
+              <a:t>Ethical considerations</a:t>
+            </a:r>
+          </a:p>
+        </p:txBody>
+      </p:sp>
+      <p:sp>
+        <p:nvSpPr>
+          <p:cNvPr id="3" name="Content Placeholder 2">
+            <a:extLst>
+              <a:ext uri="{FF2B5EF4-FFF2-40B4-BE49-F238E27FC236}">
+                <a16:creationId xmlns:a16="http://schemas.microsoft.com/office/drawing/2014/main" id="{D52C7E5F-E4C4-406C-B24C-FEEC9C7F8FE7}"/>
+              </a:ext>
+            </a:extLst>
+          </p:cNvPr>
+          <p:cNvSpPr>
+            <a:spLocks noGrp="1"/>
+          </p:cNvSpPr>
+          <p:nvPr>
+            <p:ph idx="1"/>
+          </p:nvPr>
+        </p:nvSpPr>
+        <p:spPr/>
+        <p:txBody>
+          <a:bodyPr/>
+          <a:lstStyle/>
+          <a:p>
+            <a:r>
+              <a:rPr lang="en-US" dirty="0"/>
+              <a:t>No ethical concerns identified, however some notes about how we handled the data – </a:t>
+            </a:r>
+          </a:p>
+          <a:p>
+            <a:pPr lvl="1"/>
+            <a:r>
+              <a:rPr lang="en-US" dirty="0"/>
+              <a:t>Yelp academic dataset is a static file archived 1/19/2022, containing no PII</a:t>
+            </a:r>
+          </a:p>
+          <a:p>
+            <a:pPr lvl="1"/>
+            <a:r>
+              <a:rPr lang="en-US" dirty="0"/>
+              <a:t>This dataset is not as current as information pulled by other team members using Foursquare and Yelp API calls</a:t>
+            </a:r>
+          </a:p>
+          <a:p>
+            <a:pPr lvl="1"/>
+            <a:r>
+              <a:rPr lang="en-US" dirty="0"/>
+              <a:t>Removed any businesses with rating of less than 3 to reduce size of dataset</a:t>
+            </a:r>
+          </a:p>
+          <a:p>
+            <a:endParaRPr lang="en-US" dirty="0"/>
+          </a:p>
+        </p:txBody>
+      </p:sp>
+    </p:spTree>
+    <p:extLst>
+      <p:ext uri="{BB962C8B-B14F-4D97-AF65-F5344CB8AC3E}">
+        <p14:creationId xmlns:p14="http://schemas.microsoft.com/office/powerpoint/2010/main" val="3400599383"/>
+      </p:ext>
+    </p:extLst>
+  </p:cSld>
+  <p:clrMapOvr>
+    <a:masterClrMapping/>
+  </p:clrMapOvr>
+</p:sld>
+</file>
+
+<file path=ppt/slides/slide12.xml><?xml version="1.0" encoding="utf-8"?>
+<p:sld xmlns:a="http://schemas.openxmlformats.org/drawingml/2006/main" xmlns:r="http://schemas.openxmlformats.org/officeDocument/2006/relationships" xmlns:p="http://schemas.openxmlformats.org/presentationml/2006/main">
+  <p:cSld>
+    <p:spTree>
+      <p:nvGrpSpPr>
+        <p:cNvPr id="1" name=""/>
+        <p:cNvGrpSpPr/>
+        <p:nvPr/>
+      </p:nvGrpSpPr>
+      <p:grpSpPr>
+        <a:xfrm>
+          <a:off x="0" y="0"/>
+          <a:ext cx="0" cy="0"/>
+          <a:chOff x="0" y="0"/>
+          <a:chExt cx="0" cy="0"/>
+        </a:xfrm>
+      </p:grpSpPr>
+      <p:sp>
+        <p:nvSpPr>
+          <p:cNvPr id="2" name="Title 1">
+            <a:extLst>
+              <a:ext uri="{FF2B5EF4-FFF2-40B4-BE49-F238E27FC236}">
+                <a16:creationId xmlns:a16="http://schemas.microsoft.com/office/drawing/2014/main" id="{797D109D-2E40-43A9-93E4-B54A5DF5DD88}"/>
+              </a:ext>
+            </a:extLst>
+          </p:cNvPr>
+          <p:cNvSpPr>
+            <a:spLocks noGrp="1"/>
+          </p:cNvSpPr>
+          <p:nvPr>
+            <p:ph type="title"/>
+          </p:nvPr>
+        </p:nvSpPr>
+        <p:spPr/>
+        <p:txBody>
+          <a:bodyPr/>
+          <a:lstStyle/>
+          <a:p>
+            <a:r>
+              <a:rPr lang="en-US" dirty="0"/>
+              <a:t>Challenges</a:t>
+            </a:r>
+          </a:p>
+        </p:txBody>
+      </p:sp>
+      <p:sp>
+        <p:nvSpPr>
+          <p:cNvPr id="3" name="Content Placeholder 2">
+            <a:extLst>
+              <a:ext uri="{FF2B5EF4-FFF2-40B4-BE49-F238E27FC236}">
+                <a16:creationId xmlns:a16="http://schemas.microsoft.com/office/drawing/2014/main" id="{1CEE5A0A-7466-43CC-A592-FCF1B3C6AAFB}"/>
+              </a:ext>
+            </a:extLst>
+          </p:cNvPr>
+          <p:cNvSpPr>
+            <a:spLocks noGrp="1"/>
+          </p:cNvSpPr>
+          <p:nvPr>
+            <p:ph idx="1"/>
+          </p:nvPr>
+        </p:nvSpPr>
+        <p:spPr/>
+        <p:txBody>
+          <a:bodyPr/>
+          <a:lstStyle/>
+          <a:p>
+            <a:r>
+              <a:rPr lang="en-US" dirty="0"/>
+              <a:t>Data quality issues such as Home Depot being labeled a restaurant because you can buy hot dogs there</a:t>
+            </a:r>
+          </a:p>
+          <a:p>
+            <a:r>
+              <a:rPr lang="en-US" dirty="0"/>
+              <a:t>Large amounts of data, some intended sources either did not have public data or was behind a paywall</a:t>
+            </a:r>
+          </a:p>
+          <a:p>
+            <a:r>
+              <a:rPr lang="en-US" dirty="0"/>
+              <a:t>We ended up having to use some more recent data with some less recent data</a:t>
+            </a:r>
+          </a:p>
+          <a:p>
+            <a:endParaRPr lang="en-US" dirty="0"/>
+          </a:p>
+          <a:p>
+            <a:endParaRPr lang="en-US" dirty="0"/>
+          </a:p>
+          <a:p>
+            <a:endParaRPr lang="en-US" dirty="0"/>
+          </a:p>
+        </p:txBody>
+      </p:sp>
+    </p:spTree>
+    <p:extLst>
+      <p:ext uri="{BB962C8B-B14F-4D97-AF65-F5344CB8AC3E}">
+        <p14:creationId xmlns:p14="http://schemas.microsoft.com/office/powerpoint/2010/main" val="4241071041"/>
       </p:ext>
     </p:extLst>
   </p:cSld>
@@ -13112,10 +13358,15 @@
             <p:ph sz="half" idx="1"/>
           </p:nvPr>
         </p:nvSpPr>
-        <p:spPr/>
+        <p:spPr>
+          <a:xfrm>
+            <a:off x="1141410" y="1767840"/>
+            <a:ext cx="4878389" cy="4023360"/>
+          </a:xfrm>
+        </p:spPr>
         <p:txBody>
           <a:bodyPr>
-            <a:normAutofit lnSpcReduction="10000"/>
+            <a:normAutofit fontScale="92500" lnSpcReduction="20000"/>
           </a:bodyPr>
           <a:lstStyle/>
           <a:p>
@@ -13165,8 +13416,15 @@
           <a:p>
             <a:pPr lvl="1"/>
             <a:r>
+              <a:rPr lang="en-US" dirty="0"/>
+              <a:t>SQLite</a:t>
+            </a:r>
+          </a:p>
+          <a:p>
+            <a:pPr lvl="1"/>
+            <a:r>
               <a:rPr lang="en-US" dirty="0" err="1"/>
-              <a:t>Urllib</a:t>
+              <a:t>Urllib.parse</a:t>
             </a:r>
             <a:endParaRPr lang="en-US" dirty="0"/>
           </a:p>
@@ -13174,6 +13432,12 @@
             <a:r>
               <a:rPr lang="en-US" dirty="0"/>
               <a:t>PostgreSQL</a:t>
+            </a:r>
+          </a:p>
+          <a:p>
+            <a:r>
+              <a:rPr lang="en-US" dirty="0"/>
+              <a:t>7zip</a:t>
             </a:r>
           </a:p>
           <a:p>
@@ -13333,6 +13597,66 @@
           </a:prstGeom>
         </p:spPr>
       </p:pic>
+      <p:pic>
+        <p:nvPicPr>
+          <p:cNvPr id="5" name="Picture 4">
+            <a:extLst>
+              <a:ext uri="{FF2B5EF4-FFF2-40B4-BE49-F238E27FC236}">
+                <a16:creationId xmlns:a16="http://schemas.microsoft.com/office/drawing/2014/main" id="{CF75690D-EF99-4679-85CE-F4AFF1E11BF0}"/>
+              </a:ext>
+            </a:extLst>
+          </p:cNvPr>
+          <p:cNvPicPr>
+            <a:picLocks noChangeAspect="1"/>
+          </p:cNvPicPr>
+          <p:nvPr/>
+        </p:nvPicPr>
+        <p:blipFill>
+          <a:blip r:embed="rId7"/>
+          <a:stretch>
+            <a:fillRect/>
+          </a:stretch>
+        </p:blipFill>
+        <p:spPr>
+          <a:xfrm>
+            <a:off x="7540866" y="3244812"/>
+            <a:ext cx="1869850" cy="1065814"/>
+          </a:xfrm>
+          <a:prstGeom prst="rect">
+            <a:avLst/>
+          </a:prstGeom>
+        </p:spPr>
+      </p:pic>
+      <p:pic>
+        <p:nvPicPr>
+          <p:cNvPr id="8" name="Picture 7">
+            <a:extLst>
+              <a:ext uri="{FF2B5EF4-FFF2-40B4-BE49-F238E27FC236}">
+                <a16:creationId xmlns:a16="http://schemas.microsoft.com/office/drawing/2014/main" id="{6593B07C-7E95-46AE-84CA-0AF758F7E2BA}"/>
+              </a:ext>
+            </a:extLst>
+          </p:cNvPr>
+          <p:cNvPicPr>
+            <a:picLocks noChangeAspect="1"/>
+          </p:cNvPicPr>
+          <p:nvPr/>
+        </p:nvPicPr>
+        <p:blipFill>
+          <a:blip r:embed="rId8"/>
+          <a:stretch>
+            <a:fillRect/>
+          </a:stretch>
+        </p:blipFill>
+        <p:spPr>
+          <a:xfrm>
+            <a:off x="9514745" y="1735417"/>
+            <a:ext cx="1884775" cy="810076"/>
+          </a:xfrm>
+          <a:prstGeom prst="rect">
+            <a:avLst/>
+          </a:prstGeom>
+        </p:spPr>
+      </p:pic>
     </p:spTree>
     <p:extLst>
       <p:ext uri="{BB962C8B-B14F-4D97-AF65-F5344CB8AC3E}">
@@ -13446,8 +13770,13 @@
           <a:p>
             <a:r>
               <a:rPr lang="en-US" dirty="0"/>
-              <a:t>Creating mapping tool</a:t>
+              <a:t>Using SQLite to pull data from PostgreSQL into </a:t>
             </a:r>
+            <a:r>
+              <a:rPr lang="en-US" dirty="0" err="1"/>
+              <a:t>dataframe</a:t>
+            </a:r>
+            <a:endParaRPr lang="en-US" dirty="0"/>
           </a:p>
         </p:txBody>
       </p:sp>
@@ -13486,7 +13815,7 @@
           <p:cNvPr id="2" name="Title 1">
             <a:extLst>
               <a:ext uri="{FF2B5EF4-FFF2-40B4-BE49-F238E27FC236}">
-                <a16:creationId xmlns:a16="http://schemas.microsoft.com/office/drawing/2014/main" id="{68AD8D83-6E93-49A9-882D-690994AA5811}"/>
+                <a16:creationId xmlns:a16="http://schemas.microsoft.com/office/drawing/2014/main" id="{5A98E852-E988-4491-AA14-940B7B90FBAC}"/>
               </a:ext>
             </a:extLst>
           </p:cNvPr>
@@ -13504,7 +13833,7 @@
           <a:p>
             <a:r>
               <a:rPr lang="en-US" dirty="0"/>
-              <a:t>ETL Workflow</a:t>
+              <a:t>Data EXTRACTION</a:t>
             </a:r>
           </a:p>
         </p:txBody>
@@ -13514,7 +13843,7 @@
           <p:cNvPr id="3" name="Content Placeholder 2">
             <a:extLst>
               <a:ext uri="{FF2B5EF4-FFF2-40B4-BE49-F238E27FC236}">
-                <a16:creationId xmlns:a16="http://schemas.microsoft.com/office/drawing/2014/main" id="{60433DFA-236D-48D1-B8AE-2A5BC55F2F83}"/>
+                <a16:creationId xmlns:a16="http://schemas.microsoft.com/office/drawing/2014/main" id="{23528420-E227-43CD-BE2F-CB217823DC2B}"/>
               </a:ext>
             </a:extLst>
           </p:cNvPr>
@@ -13525,40 +13854,107 @@
             <p:ph idx="1"/>
           </p:nvPr>
         </p:nvSpPr>
-        <p:spPr/>
+        <p:spPr>
+          <a:xfrm>
+            <a:off x="1141413" y="3900225"/>
+            <a:ext cx="7525068" cy="2362201"/>
+          </a:xfrm>
+        </p:spPr>
         <p:txBody>
-          <a:bodyPr/>
+          <a:bodyPr>
+            <a:normAutofit fontScale="92500" lnSpcReduction="10000"/>
+          </a:bodyPr>
           <a:lstStyle/>
           <a:p>
             <a:r>
               <a:rPr lang="en-US" dirty="0"/>
-              <a:t>MORE THOROUGH DESCRIPTION OF OUR PROCESS – this slide is for the data collecting/transformation process</a:t>
+              <a:t>Sources: Yelp and Foursquare</a:t>
             </a:r>
           </a:p>
           <a:p>
             <a:r>
               <a:rPr lang="en-US" dirty="0"/>
-              <a:t>Note transformation steps, extraction, how it is housed, at least 2 tables</a:t>
+              <a:t>Tried other sources but ran into issues</a:t>
             </a:r>
           </a:p>
           <a:p>
             <a:r>
               <a:rPr lang="en-US" dirty="0"/>
-              <a:t>State how many records we used</a:t>
+              <a:t>Downloaded TAR/JSON data as text into Excel and used the data toolbar to convert text to columns</a:t>
             </a:r>
           </a:p>
           <a:p>
             <a:r>
               <a:rPr lang="en-US" dirty="0"/>
-              <a:t>Mention using a library we hadn’t used in class</a:t>
+              <a:t>Used JSON to extract data for several cities</a:t>
             </a:r>
           </a:p>
         </p:txBody>
       </p:sp>
+      <p:pic>
+        <p:nvPicPr>
+          <p:cNvPr id="10" name="Picture 9">
+            <a:extLst>
+              <a:ext uri="{FF2B5EF4-FFF2-40B4-BE49-F238E27FC236}">
+                <a16:creationId xmlns:a16="http://schemas.microsoft.com/office/drawing/2014/main" id="{FEF1CB07-D4F6-4898-A1BD-DFD226989B84}"/>
+              </a:ext>
+            </a:extLst>
+          </p:cNvPr>
+          <p:cNvPicPr>
+            <a:picLocks noChangeAspect="1"/>
+          </p:cNvPicPr>
+          <p:nvPr/>
+        </p:nvPicPr>
+        <p:blipFill>
+          <a:blip r:embed="rId2"/>
+          <a:stretch>
+            <a:fillRect/>
+          </a:stretch>
+        </p:blipFill>
+        <p:spPr>
+          <a:xfrm>
+            <a:off x="668020" y="1894551"/>
+            <a:ext cx="4800600" cy="1809750"/>
+          </a:xfrm>
+          <a:prstGeom prst="rect">
+            <a:avLst/>
+          </a:prstGeom>
+        </p:spPr>
+      </p:pic>
+      <p:pic>
+        <p:nvPicPr>
+          <p:cNvPr id="14" name="Picture 13">
+            <a:extLst>
+              <a:ext uri="{FF2B5EF4-FFF2-40B4-BE49-F238E27FC236}">
+                <a16:creationId xmlns:a16="http://schemas.microsoft.com/office/drawing/2014/main" id="{2CACC1D0-6990-49C8-9020-635475F1CF63}"/>
+              </a:ext>
+            </a:extLst>
+          </p:cNvPr>
+          <p:cNvPicPr>
+            <a:picLocks noChangeAspect="1"/>
+          </p:cNvPicPr>
+          <p:nvPr/>
+        </p:nvPicPr>
+        <p:blipFill>
+          <a:blip r:embed="rId3"/>
+          <a:stretch>
+            <a:fillRect/>
+          </a:stretch>
+        </p:blipFill>
+        <p:spPr>
+          <a:xfrm>
+            <a:off x="5633402" y="794165"/>
+            <a:ext cx="6391275" cy="2857500"/>
+          </a:xfrm>
+          <a:prstGeom prst="rect">
+            <a:avLst/>
+          </a:prstGeom>
+        </p:spPr>
+      </p:pic>
     </p:spTree>
     <p:extLst>
       <p:ext uri="{BB962C8B-B14F-4D97-AF65-F5344CB8AC3E}">
-        <p14:creationId xmlns:p14="http://schemas.microsoft.com/office/powerpoint/2010/main" val="474926721"/>
+        <p14:creationId xmlns:p14="http://schemas.microsoft.com/office/powerpoint/2010/main" val="2240011552"/>
       </p:ext>
     </p:extLst>
   </p:cSld>
@@ -13590,7 +13986,7 @@
           <p:cNvPr id="2" name="Title 1">
             <a:extLst>
               <a:ext uri="{FF2B5EF4-FFF2-40B4-BE49-F238E27FC236}">
-                <a16:creationId xmlns:a16="http://schemas.microsoft.com/office/drawing/2014/main" id="{BA815F88-4AC0-4073-9FA6-CBE7FC8004BA}"/>
+                <a16:creationId xmlns:a16="http://schemas.microsoft.com/office/drawing/2014/main" id="{5A98E852-E988-4491-AA14-940B7B90FBAC}"/>
               </a:ext>
             </a:extLst>
           </p:cNvPr>
@@ -13608,7 +14004,7 @@
           <a:p>
             <a:r>
               <a:rPr lang="en-US" dirty="0"/>
-              <a:t>ERD DIAGRAM</a:t>
+              <a:t>Data Transformation</a:t>
             </a:r>
           </a:p>
         </p:txBody>
@@ -13618,7 +14014,7 @@
           <p:cNvPr id="3" name="Content Placeholder 2">
             <a:extLst>
               <a:ext uri="{FF2B5EF4-FFF2-40B4-BE49-F238E27FC236}">
-                <a16:creationId xmlns:a16="http://schemas.microsoft.com/office/drawing/2014/main" id="{8C71A89B-39F3-442B-8704-8A9653B8F55B}"/>
+                <a16:creationId xmlns:a16="http://schemas.microsoft.com/office/drawing/2014/main" id="{23528420-E227-43CD-BE2F-CB217823DC2B}"/>
               </a:ext>
             </a:extLst>
           </p:cNvPr>
@@ -13629,22 +14025,95 @@
             <p:ph idx="1"/>
           </p:nvPr>
         </p:nvSpPr>
-        <p:spPr/>
+        <p:spPr>
+          <a:xfrm>
+            <a:off x="1141412" y="4760913"/>
+            <a:ext cx="9905997" cy="1937210"/>
+          </a:xfrm>
+        </p:spPr>
         <p:txBody>
-          <a:bodyPr/>
+          <a:bodyPr>
+            <a:normAutofit/>
+          </a:bodyPr>
           <a:lstStyle/>
           <a:p>
             <a:r>
               <a:rPr lang="en-US" dirty="0"/>
-              <a:t>SAVING THIS SLIDE FOR DIAGRAM</a:t>
+              <a:t>Set parameters and removed unwanted fields</a:t>
+            </a:r>
+          </a:p>
+          <a:p>
+            <a:r>
+              <a:rPr lang="en-US" dirty="0"/>
+              <a:t>Ultimately whittled down to 317 items</a:t>
             </a:r>
           </a:p>
         </p:txBody>
       </p:sp>
+      <p:pic>
+        <p:nvPicPr>
+          <p:cNvPr id="8" name="Picture 7">
+            <a:extLst>
+              <a:ext uri="{FF2B5EF4-FFF2-40B4-BE49-F238E27FC236}">
+                <a16:creationId xmlns:a16="http://schemas.microsoft.com/office/drawing/2014/main" id="{B8D793F0-E4FD-4D44-9A2F-744553BA08C0}"/>
+              </a:ext>
+            </a:extLst>
+          </p:cNvPr>
+          <p:cNvPicPr>
+            <a:picLocks noChangeAspect="1"/>
+          </p:cNvPicPr>
+          <p:nvPr/>
+        </p:nvPicPr>
+        <p:blipFill>
+          <a:blip r:embed="rId2"/>
+          <a:stretch>
+            <a:fillRect/>
+          </a:stretch>
+        </p:blipFill>
+        <p:spPr>
+          <a:xfrm>
+            <a:off x="339944" y="1606471"/>
+            <a:ext cx="6168170" cy="2918444"/>
+          </a:xfrm>
+          <a:prstGeom prst="rect">
+            <a:avLst/>
+          </a:prstGeom>
+        </p:spPr>
+      </p:pic>
+      <p:pic>
+        <p:nvPicPr>
+          <p:cNvPr id="5" name="Picture 4">
+            <a:extLst>
+              <a:ext uri="{FF2B5EF4-FFF2-40B4-BE49-F238E27FC236}">
+                <a16:creationId xmlns:a16="http://schemas.microsoft.com/office/drawing/2014/main" id="{A9505221-A4B6-4621-A460-4F519075DBE1}"/>
+              </a:ext>
+            </a:extLst>
+          </p:cNvPr>
+          <p:cNvPicPr>
+            <a:picLocks noChangeAspect="1"/>
+          </p:cNvPicPr>
+          <p:nvPr/>
+        </p:nvPicPr>
+        <p:blipFill>
+          <a:blip r:embed="rId3"/>
+          <a:stretch>
+            <a:fillRect/>
+          </a:stretch>
+        </p:blipFill>
+        <p:spPr>
+          <a:xfrm>
+            <a:off x="6610032" y="159877"/>
+            <a:ext cx="5088792" cy="3874421"/>
+          </a:xfrm>
+          <a:prstGeom prst="rect">
+            <a:avLst/>
+          </a:prstGeom>
+        </p:spPr>
+      </p:pic>
     </p:spTree>
     <p:extLst>
       <p:ext uri="{BB962C8B-B14F-4D97-AF65-F5344CB8AC3E}">
-        <p14:creationId xmlns:p14="http://schemas.microsoft.com/office/powerpoint/2010/main" val="3529776929"/>
+        <p14:creationId xmlns:p14="http://schemas.microsoft.com/office/powerpoint/2010/main" val="312942347"/>
       </p:ext>
     </p:extLst>
   </p:cSld>
@@ -13699,31 +14168,317 @@
           </a:p>
         </p:txBody>
       </p:sp>
-      <p:sp>
-        <p:nvSpPr>
-          <p:cNvPr id="3" name="Content Placeholder 2">
+      <p:pic>
+        <p:nvPicPr>
+          <p:cNvPr id="4" name="Picture 3">
             <a:extLst>
               <a:ext uri="{FF2B5EF4-FFF2-40B4-BE49-F238E27FC236}">
-                <a16:creationId xmlns:a16="http://schemas.microsoft.com/office/drawing/2014/main" id="{1E62E4D7-3A32-4BEF-BD55-7BE58ADC8779}"/>
+                <a16:creationId xmlns:a16="http://schemas.microsoft.com/office/drawing/2014/main" id="{5D099817-6EE0-4339-91A7-7F485F110719}"/>
               </a:ext>
             </a:extLst>
           </p:cNvPr>
-          <p:cNvSpPr>
-            <a:spLocks noGrp="1"/>
+          <p:cNvPicPr>
+            <a:picLocks noChangeAspect="1"/>
+          </p:cNvPicPr>
+          <p:nvPr/>
+        </p:nvPicPr>
+        <p:blipFill>
+          <a:blip r:embed="rId2"/>
+          <a:stretch>
+            <a:fillRect/>
+          </a:stretch>
+        </p:blipFill>
+        <p:spPr>
+          <a:xfrm>
+            <a:off x="5328443" y="331047"/>
+            <a:ext cx="3856037" cy="2960028"/>
+          </a:xfrm>
+          <a:prstGeom prst="rect">
+            <a:avLst/>
+          </a:prstGeom>
+        </p:spPr>
+      </p:pic>
+      <p:pic>
+        <p:nvPicPr>
+          <p:cNvPr id="5" name="Picture 4">
+            <a:extLst>
+              <a:ext uri="{FF2B5EF4-FFF2-40B4-BE49-F238E27FC236}">
+                <a16:creationId xmlns:a16="http://schemas.microsoft.com/office/drawing/2014/main" id="{DCBFB6FC-8E35-47D9-AEC4-C2DE2AC1A79A}"/>
+              </a:ext>
+            </a:extLst>
+          </p:cNvPr>
+          <p:cNvPicPr>
+            <a:picLocks noChangeAspect="1"/>
+          </p:cNvPicPr>
+          <p:nvPr/>
+        </p:nvPicPr>
+        <p:blipFill>
+          <a:blip r:embed="rId3"/>
+          <a:stretch>
+            <a:fillRect/>
+          </a:stretch>
+        </p:blipFill>
+        <p:spPr>
+          <a:xfrm>
+            <a:off x="7084219" y="3364653"/>
+            <a:ext cx="4200525" cy="3162300"/>
+          </a:xfrm>
+          <a:prstGeom prst="rect">
+            <a:avLst/>
+          </a:prstGeom>
+        </p:spPr>
+      </p:pic>
+      <p:sp>
+        <p:nvSpPr>
+          <p:cNvPr id="8" name="Content Placeholder 2">
+            <a:extLst>
+              <a:ext uri="{FF2B5EF4-FFF2-40B4-BE49-F238E27FC236}">
+                <a16:creationId xmlns:a16="http://schemas.microsoft.com/office/drawing/2014/main" id="{A8DF74EF-BEAF-4E59-9B32-FD5BED5A1A56}"/>
+              </a:ext>
+            </a:extLst>
+          </p:cNvPr>
+          <p:cNvSpPr txBox="1">
+            <a:spLocks/>
           </p:cNvSpPr>
-          <p:nvPr>
-            <p:ph idx="1"/>
-          </p:nvPr>
+          <p:nvPr/>
         </p:nvSpPr>
-        <p:spPr/>
+        <p:spPr>
+          <a:xfrm>
+            <a:off x="1141413" y="2249487"/>
+            <a:ext cx="3966370" cy="3541714"/>
+          </a:xfrm>
+          <a:prstGeom prst="rect">
+            <a:avLst/>
+          </a:prstGeom>
+        </p:spPr>
         <p:txBody>
-          <a:bodyPr/>
-          <a:lstStyle/>
+          <a:bodyPr vert="horz" lIns="91440" tIns="45720" rIns="91440" bIns="45720" rtlCol="0" anchor="ctr">
+            <a:normAutofit/>
+          </a:bodyPr>
+          <a:lstStyle>
+            <a:lvl1pPr marL="228600" indent="-228600" algn="l" defTabSz="914400" rtl="0" eaLnBrk="1" latinLnBrk="0" hangingPunct="1">
+              <a:lnSpc>
+                <a:spcPct val="120000"/>
+              </a:lnSpc>
+              <a:spcBef>
+                <a:spcPts val="1000"/>
+              </a:spcBef>
+              <a:buSzPct val="125000"/>
+              <a:buFont typeface="Arial" panose="020B0604020202020204" pitchFamily="34" charset="0"/>
+              <a:buChar char="•"/>
+              <a:defRPr sz="2400" kern="1200">
+                <a:solidFill>
+                  <a:schemeClr val="tx1"/>
+                </a:solidFill>
+                <a:effectLst>
+                  <a:outerShdw blurRad="152400" dist="38100" dir="2700000" algn="tl">
+                    <a:srgbClr val="000000">
+                      <a:alpha val="36000"/>
+                    </a:srgbClr>
+                  </a:outerShdw>
+                </a:effectLst>
+                <a:latin typeface="+mn-lt"/>
+                <a:ea typeface="+mn-ea"/>
+                <a:cs typeface="+mn-cs"/>
+              </a:defRPr>
+            </a:lvl1pPr>
+            <a:lvl2pPr marL="685800" indent="-228600" algn="l" defTabSz="914400" rtl="0" eaLnBrk="1" latinLnBrk="0" hangingPunct="1">
+              <a:lnSpc>
+                <a:spcPct val="120000"/>
+              </a:lnSpc>
+              <a:spcBef>
+                <a:spcPts val="500"/>
+              </a:spcBef>
+              <a:buSzPct val="125000"/>
+              <a:buFont typeface="Arial" panose="020B0604020202020204" pitchFamily="34" charset="0"/>
+              <a:buChar char="•"/>
+              <a:defRPr sz="2000" kern="1200">
+                <a:solidFill>
+                  <a:schemeClr val="tx1"/>
+                </a:solidFill>
+                <a:effectLst>
+                  <a:outerShdw blurRad="152400" dist="38100" dir="2700000" algn="tl">
+                    <a:srgbClr val="000000">
+                      <a:alpha val="36000"/>
+                    </a:srgbClr>
+                  </a:outerShdw>
+                </a:effectLst>
+                <a:latin typeface="+mn-lt"/>
+                <a:ea typeface="+mn-ea"/>
+                <a:cs typeface="+mn-cs"/>
+              </a:defRPr>
+            </a:lvl2pPr>
+            <a:lvl3pPr marL="1143000" indent="-228600" algn="l" defTabSz="914400" rtl="0" eaLnBrk="1" latinLnBrk="0" hangingPunct="1">
+              <a:lnSpc>
+                <a:spcPct val="120000"/>
+              </a:lnSpc>
+              <a:spcBef>
+                <a:spcPts val="500"/>
+              </a:spcBef>
+              <a:buSzPct val="125000"/>
+              <a:buFont typeface="Arial" panose="020B0604020202020204" pitchFamily="34" charset="0"/>
+              <a:buChar char="•"/>
+              <a:defRPr sz="1800" kern="1200">
+                <a:solidFill>
+                  <a:schemeClr val="tx1"/>
+                </a:solidFill>
+                <a:effectLst>
+                  <a:outerShdw blurRad="152400" dist="38100" dir="2700000" algn="tl">
+                    <a:srgbClr val="000000">
+                      <a:alpha val="36000"/>
+                    </a:srgbClr>
+                  </a:outerShdw>
+                </a:effectLst>
+                <a:latin typeface="+mn-lt"/>
+                <a:ea typeface="+mn-ea"/>
+                <a:cs typeface="+mn-cs"/>
+              </a:defRPr>
+            </a:lvl3pPr>
+            <a:lvl4pPr marL="1600200" indent="-228600" algn="l" defTabSz="914400" rtl="0" eaLnBrk="1" latinLnBrk="0" hangingPunct="1">
+              <a:lnSpc>
+                <a:spcPct val="120000"/>
+              </a:lnSpc>
+              <a:spcBef>
+                <a:spcPts val="500"/>
+              </a:spcBef>
+              <a:buSzPct val="125000"/>
+              <a:buFont typeface="Arial" panose="020B0604020202020204" pitchFamily="34" charset="0"/>
+              <a:buChar char="•"/>
+              <a:defRPr sz="1600" kern="1200">
+                <a:solidFill>
+                  <a:schemeClr val="tx1"/>
+                </a:solidFill>
+                <a:effectLst>
+                  <a:outerShdw blurRad="152400" dist="38100" dir="2700000" algn="tl">
+                    <a:srgbClr val="000000">
+                      <a:alpha val="36000"/>
+                    </a:srgbClr>
+                  </a:outerShdw>
+                </a:effectLst>
+                <a:latin typeface="+mn-lt"/>
+                <a:ea typeface="+mn-ea"/>
+                <a:cs typeface="+mn-cs"/>
+              </a:defRPr>
+            </a:lvl4pPr>
+            <a:lvl5pPr marL="2057400" indent="-228600" algn="l" defTabSz="914400" rtl="0" eaLnBrk="1" latinLnBrk="0" hangingPunct="1">
+              <a:lnSpc>
+                <a:spcPct val="120000"/>
+              </a:lnSpc>
+              <a:spcBef>
+                <a:spcPts val="500"/>
+              </a:spcBef>
+              <a:buSzPct val="125000"/>
+              <a:buFont typeface="Arial" panose="020B0604020202020204" pitchFamily="34" charset="0"/>
+              <a:buChar char="•"/>
+              <a:defRPr sz="1600" kern="1200">
+                <a:solidFill>
+                  <a:schemeClr val="tx1"/>
+                </a:solidFill>
+                <a:effectLst>
+                  <a:outerShdw blurRad="152400" dist="38100" dir="2700000" algn="tl">
+                    <a:srgbClr val="000000">
+                      <a:alpha val="36000"/>
+                    </a:srgbClr>
+                  </a:outerShdw>
+                </a:effectLst>
+                <a:latin typeface="+mn-lt"/>
+                <a:ea typeface="+mn-ea"/>
+                <a:cs typeface="+mn-cs"/>
+              </a:defRPr>
+            </a:lvl5pPr>
+            <a:lvl6pPr marL="2514600" indent="-228600" algn="l" defTabSz="914400" rtl="0" eaLnBrk="1" latinLnBrk="0" hangingPunct="1">
+              <a:lnSpc>
+                <a:spcPct val="120000"/>
+              </a:lnSpc>
+              <a:spcBef>
+                <a:spcPts val="500"/>
+              </a:spcBef>
+              <a:buSzPct val="125000"/>
+              <a:buFont typeface="Arial" panose="020B0604020202020204" pitchFamily="34" charset="0"/>
+              <a:buChar char="•"/>
+              <a:defRPr sz="1400" kern="1200">
+                <a:solidFill>
+                  <a:schemeClr val="tx1"/>
+                </a:solidFill>
+                <a:latin typeface="+mn-lt"/>
+                <a:ea typeface="+mn-ea"/>
+                <a:cs typeface="+mn-cs"/>
+              </a:defRPr>
+            </a:lvl6pPr>
+            <a:lvl7pPr marL="2971800" indent="-228600" algn="l" defTabSz="914400" rtl="0" eaLnBrk="1" latinLnBrk="0" hangingPunct="1">
+              <a:lnSpc>
+                <a:spcPct val="120000"/>
+              </a:lnSpc>
+              <a:spcBef>
+                <a:spcPts val="500"/>
+              </a:spcBef>
+              <a:buSzPct val="125000"/>
+              <a:buFont typeface="Arial" panose="020B0604020202020204" pitchFamily="34" charset="0"/>
+              <a:buChar char="•"/>
+              <a:defRPr sz="1400" kern="1200">
+                <a:solidFill>
+                  <a:schemeClr val="tx1"/>
+                </a:solidFill>
+                <a:latin typeface="+mn-lt"/>
+                <a:ea typeface="+mn-ea"/>
+                <a:cs typeface="+mn-cs"/>
+              </a:defRPr>
+            </a:lvl7pPr>
+            <a:lvl8pPr marL="3429000" indent="-228600" algn="l" defTabSz="914400" rtl="0" eaLnBrk="1" latinLnBrk="0" hangingPunct="1">
+              <a:lnSpc>
+                <a:spcPct val="120000"/>
+              </a:lnSpc>
+              <a:spcBef>
+                <a:spcPts val="500"/>
+              </a:spcBef>
+              <a:buSzPct val="125000"/>
+              <a:buFont typeface="Arial" panose="020B0604020202020204" pitchFamily="34" charset="0"/>
+              <a:buChar char="•"/>
+              <a:defRPr sz="1400" kern="1200">
+                <a:solidFill>
+                  <a:schemeClr val="tx1"/>
+                </a:solidFill>
+                <a:latin typeface="+mn-lt"/>
+                <a:ea typeface="+mn-ea"/>
+                <a:cs typeface="+mn-cs"/>
+              </a:defRPr>
+            </a:lvl8pPr>
+            <a:lvl9pPr marL="3886200" indent="-228600" algn="l" defTabSz="914400" rtl="0" eaLnBrk="1" latinLnBrk="0" hangingPunct="1">
+              <a:lnSpc>
+                <a:spcPct val="120000"/>
+              </a:lnSpc>
+              <a:spcBef>
+                <a:spcPts val="500"/>
+              </a:spcBef>
+              <a:buSzPct val="125000"/>
+              <a:buFont typeface="Arial" panose="020B0604020202020204" pitchFamily="34" charset="0"/>
+              <a:buChar char="•"/>
+              <a:defRPr sz="1400" kern="1200">
+                <a:solidFill>
+                  <a:schemeClr val="tx1"/>
+                </a:solidFill>
+                <a:latin typeface="+mn-lt"/>
+                <a:ea typeface="+mn-ea"/>
+                <a:cs typeface="+mn-cs"/>
+              </a:defRPr>
+            </a:lvl9pPr>
+          </a:lstStyle>
           <a:p>
             <a:r>
               <a:rPr lang="en-US" dirty="0"/>
-              <a:t>This slide for the SQL portion of the project. Include schema screenshot.</a:t>
+              <a:t>Multiple </a:t>
             </a:r>
+            <a:r>
+              <a:rPr lang="en-US" dirty="0" err="1"/>
+              <a:t>dataframes</a:t>
+            </a:r>
+            <a:r>
+              <a:rPr lang="en-US" dirty="0"/>
+              <a:t> merged to one each for Yelp and Foursquare and exported to CSV</a:t>
+            </a:r>
+          </a:p>
+          <a:p>
+            <a:endParaRPr lang="en-US" dirty="0"/>
           </a:p>
         </p:txBody>
       </p:sp>
@@ -13762,7 +14517,7 @@
           <p:cNvPr id="2" name="Title 1">
             <a:extLst>
               <a:ext uri="{FF2B5EF4-FFF2-40B4-BE49-F238E27FC236}">
-                <a16:creationId xmlns:a16="http://schemas.microsoft.com/office/drawing/2014/main" id="{69686B94-D130-4543-B982-8E6980E7335D}"/>
+                <a16:creationId xmlns:a16="http://schemas.microsoft.com/office/drawing/2014/main" id="{AB806CB0-5A4D-45A9-8E1F-C2409E942201}"/>
               </a:ext>
             </a:extLst>
           </p:cNvPr>
@@ -13780,7 +14535,7 @@
           <a:p>
             <a:r>
               <a:rPr lang="en-US" dirty="0"/>
-              <a:t>MAPPING TOOL</a:t>
+              <a:t>SELENAS SCREENSHOTS</a:t>
             </a:r>
           </a:p>
         </p:txBody>
@@ -13790,7 +14545,7 @@
           <p:cNvPr id="3" name="Content Placeholder 2">
             <a:extLst>
               <a:ext uri="{FF2B5EF4-FFF2-40B4-BE49-F238E27FC236}">
-                <a16:creationId xmlns:a16="http://schemas.microsoft.com/office/drawing/2014/main" id="{27C4307A-DC0E-4444-8284-972158509CB1}"/>
+                <a16:creationId xmlns:a16="http://schemas.microsoft.com/office/drawing/2014/main" id="{85EAB529-C578-4C46-9B6C-EB911A8F74A3}"/>
               </a:ext>
             </a:extLst>
           </p:cNvPr>
@@ -13806,20 +14561,39 @@
           <a:bodyPr/>
           <a:lstStyle/>
           <a:p>
-            <a:r>
-              <a:rPr lang="en-US" dirty="0"/>
-              <a:t>Insert image here, but add link for demonstration</a:t>
-            </a:r>
-          </a:p>
-          <a:p>
-            <a:endParaRPr lang="en-US" dirty="0"/>
+            <a:endParaRPr lang="en-US"/>
+          </a:p>
+        </p:txBody>
+      </p:sp>
+      <p:sp>
+        <p:nvSpPr>
+          <p:cNvPr id="4" name="Text Placeholder 3">
+            <a:extLst>
+              <a:ext uri="{FF2B5EF4-FFF2-40B4-BE49-F238E27FC236}">
+                <a16:creationId xmlns:a16="http://schemas.microsoft.com/office/drawing/2014/main" id="{ECAE8FB7-FA09-4C22-89F1-CE0B4FF439A8}"/>
+              </a:ext>
+            </a:extLst>
+          </p:cNvPr>
+          <p:cNvSpPr>
+            <a:spLocks noGrp="1"/>
+          </p:cNvSpPr>
+          <p:nvPr>
+            <p:ph type="body" sz="half" idx="2"/>
+          </p:nvPr>
+        </p:nvSpPr>
+        <p:spPr/>
+        <p:txBody>
+          <a:bodyPr/>
+          <a:lstStyle/>
+          <a:p>
+            <a:endParaRPr lang="en-US"/>
           </a:p>
         </p:txBody>
       </p:sp>
     </p:spTree>
     <p:extLst>
       <p:ext uri="{BB962C8B-B14F-4D97-AF65-F5344CB8AC3E}">
-        <p14:creationId xmlns:p14="http://schemas.microsoft.com/office/powerpoint/2010/main" val="4176171020"/>
+        <p14:creationId xmlns:p14="http://schemas.microsoft.com/office/powerpoint/2010/main" val="2683976642"/>
       </p:ext>
     </p:extLst>
   </p:cSld>
@@ -13851,7 +14625,7 @@
           <p:cNvPr id="2" name="Title 1">
             <a:extLst>
               <a:ext uri="{FF2B5EF4-FFF2-40B4-BE49-F238E27FC236}">
-                <a16:creationId xmlns:a16="http://schemas.microsoft.com/office/drawing/2014/main" id="{CCB7FC93-448A-4173-9E53-AB6151CFA7C7}"/>
+                <a16:creationId xmlns:a16="http://schemas.microsoft.com/office/drawing/2014/main" id="{BA815F88-4AC0-4073-9FA6-CBE7FC8004BA}"/>
               </a:ext>
             </a:extLst>
           </p:cNvPr>
@@ -13869,17 +14643,76 @@
           <a:p>
             <a:r>
               <a:rPr lang="en-US" dirty="0"/>
-              <a:t>Ethical considerations</a:t>
+              <a:t>ERD DIAGRAM</a:t>
             </a:r>
           </a:p>
         </p:txBody>
       </p:sp>
+      <p:pic>
+        <p:nvPicPr>
+          <p:cNvPr id="5" name="Content Placeholder 4">
+            <a:extLst>
+              <a:ext uri="{FF2B5EF4-FFF2-40B4-BE49-F238E27FC236}">
+                <a16:creationId xmlns:a16="http://schemas.microsoft.com/office/drawing/2014/main" id="{1B925D84-D071-4F4F-8D9A-FB2BA13F24D0}"/>
+              </a:ext>
+            </a:extLst>
+          </p:cNvPr>
+          <p:cNvPicPr>
+            <a:picLocks noGrp="1" noChangeAspect="1"/>
+          </p:cNvPicPr>
+          <p:nvPr>
+            <p:ph idx="1"/>
+          </p:nvPr>
+        </p:nvPicPr>
+        <p:blipFill>
+          <a:blip r:embed="rId2"/>
+          <a:stretch>
+            <a:fillRect/>
+          </a:stretch>
+        </p:blipFill>
+        <p:spPr>
+          <a:xfrm>
+            <a:off x="2859012" y="2097088"/>
+            <a:ext cx="6473976" cy="4398038"/>
+          </a:xfrm>
+        </p:spPr>
+      </p:pic>
+    </p:spTree>
+    <p:extLst>
+      <p:ext uri="{BB962C8B-B14F-4D97-AF65-F5344CB8AC3E}">
+        <p14:creationId xmlns:p14="http://schemas.microsoft.com/office/powerpoint/2010/main" val="3529776929"/>
+      </p:ext>
+    </p:extLst>
+  </p:cSld>
+  <p:clrMapOvr>
+    <a:masterClrMapping/>
+  </p:clrMapOvr>
+</p:sld>
+</file>
+
+<file path=ppt/slides/slide9.xml><?xml version="1.0" encoding="utf-8"?>
+<p:sld xmlns:a="http://schemas.openxmlformats.org/drawingml/2006/main" xmlns:r="http://schemas.openxmlformats.org/officeDocument/2006/relationships" xmlns:p="http://schemas.openxmlformats.org/presentationml/2006/main">
+  <p:cSld>
+    <p:spTree>
+      <p:nvGrpSpPr>
+        <p:cNvPr id="1" name=""/>
+        <p:cNvGrpSpPr/>
+        <p:nvPr/>
+      </p:nvGrpSpPr>
+      <p:grpSpPr>
+        <a:xfrm>
+          <a:off x="0" y="0"/>
+          <a:ext cx="0" cy="0"/>
+          <a:chOff x="0" y="0"/>
+          <a:chExt cx="0" cy="0"/>
+        </a:xfrm>
+      </p:grpSpPr>
       <p:sp>
         <p:nvSpPr>
-          <p:cNvPr id="3" name="Content Placeholder 2">
+          <p:cNvPr id="2" name="Title 1">
             <a:extLst>
               <a:ext uri="{FF2B5EF4-FFF2-40B4-BE49-F238E27FC236}">
-                <a16:creationId xmlns:a16="http://schemas.microsoft.com/office/drawing/2014/main" id="{D52C7E5F-E4C4-406C-B24C-FEEC9C7F8FE7}"/>
+                <a16:creationId xmlns:a16="http://schemas.microsoft.com/office/drawing/2014/main" id="{F217A403-9332-406D-9E03-21393D397B66}"/>
               </a:ext>
             </a:extLst>
           </p:cNvPr>
@@ -13887,7 +14720,7 @@
             <a:spLocks noGrp="1"/>
           </p:cNvSpPr>
           <p:nvPr>
-            <p:ph idx="1"/>
+            <p:ph type="title"/>
           </p:nvPr>
         </p:nvSpPr>
         <p:spPr/>
@@ -13896,16 +14729,350 @@
           <a:lstStyle/>
           <a:p>
             <a:r>
+              <a:rPr lang="en-US" dirty="0">
+                <a:highlight>
+                  <a:srgbClr val="FFFF00"/>
+                </a:highlight>
+              </a:rPr>
+              <a:t>Moving </a:t>
+            </a:r>
+            <a:r>
+              <a:rPr lang="en-US" dirty="0" err="1">
+                <a:highlight>
+                  <a:srgbClr val="FFFF00"/>
+                </a:highlight>
+              </a:rPr>
+              <a:t>sql</a:t>
+            </a:r>
+            <a:r>
+              <a:rPr lang="en-US" dirty="0">
+                <a:highlight>
+                  <a:srgbClr val="FFFF00"/>
+                </a:highlight>
+              </a:rPr>
+              <a:t> database to </a:t>
+            </a:r>
+          </a:p>
+        </p:txBody>
+      </p:sp>
+      <p:pic>
+        <p:nvPicPr>
+          <p:cNvPr id="4" name="Picture 3">
+            <a:extLst>
+              <a:ext uri="{FF2B5EF4-FFF2-40B4-BE49-F238E27FC236}">
+                <a16:creationId xmlns:a16="http://schemas.microsoft.com/office/drawing/2014/main" id="{5D099817-6EE0-4339-91A7-7F485F110719}"/>
+              </a:ext>
+            </a:extLst>
+          </p:cNvPr>
+          <p:cNvPicPr>
+            <a:picLocks noChangeAspect="1"/>
+          </p:cNvPicPr>
+          <p:nvPr/>
+        </p:nvPicPr>
+        <p:blipFill>
+          <a:blip r:embed="rId2"/>
+          <a:stretch>
+            <a:fillRect/>
+          </a:stretch>
+        </p:blipFill>
+        <p:spPr>
+          <a:xfrm>
+            <a:off x="5328443" y="331047"/>
+            <a:ext cx="3856037" cy="2960028"/>
+          </a:xfrm>
+          <a:prstGeom prst="rect">
+            <a:avLst/>
+          </a:prstGeom>
+        </p:spPr>
+      </p:pic>
+      <p:pic>
+        <p:nvPicPr>
+          <p:cNvPr id="5" name="Picture 4">
+            <a:extLst>
+              <a:ext uri="{FF2B5EF4-FFF2-40B4-BE49-F238E27FC236}">
+                <a16:creationId xmlns:a16="http://schemas.microsoft.com/office/drawing/2014/main" id="{DCBFB6FC-8E35-47D9-AEC4-C2DE2AC1A79A}"/>
+              </a:ext>
+            </a:extLst>
+          </p:cNvPr>
+          <p:cNvPicPr>
+            <a:picLocks noChangeAspect="1"/>
+          </p:cNvPicPr>
+          <p:nvPr/>
+        </p:nvPicPr>
+        <p:blipFill>
+          <a:blip r:embed="rId3"/>
+          <a:stretch>
+            <a:fillRect/>
+          </a:stretch>
+        </p:blipFill>
+        <p:spPr>
+          <a:xfrm>
+            <a:off x="7084219" y="3364653"/>
+            <a:ext cx="4200525" cy="3162300"/>
+          </a:xfrm>
+          <a:prstGeom prst="rect">
+            <a:avLst/>
+          </a:prstGeom>
+        </p:spPr>
+      </p:pic>
+      <p:sp>
+        <p:nvSpPr>
+          <p:cNvPr id="8" name="Content Placeholder 2">
+            <a:extLst>
+              <a:ext uri="{FF2B5EF4-FFF2-40B4-BE49-F238E27FC236}">
+                <a16:creationId xmlns:a16="http://schemas.microsoft.com/office/drawing/2014/main" id="{A8DF74EF-BEAF-4E59-9B32-FD5BED5A1A56}"/>
+              </a:ext>
+            </a:extLst>
+          </p:cNvPr>
+          <p:cNvSpPr txBox="1">
+            <a:spLocks/>
+          </p:cNvSpPr>
+          <p:nvPr/>
+        </p:nvSpPr>
+        <p:spPr>
+          <a:xfrm>
+            <a:off x="1141413" y="2249487"/>
+            <a:ext cx="3966370" cy="3541714"/>
+          </a:xfrm>
+          <a:prstGeom prst="rect">
+            <a:avLst/>
+          </a:prstGeom>
+        </p:spPr>
+        <p:txBody>
+          <a:bodyPr vert="horz" lIns="91440" tIns="45720" rIns="91440" bIns="45720" rtlCol="0" anchor="ctr">
+            <a:normAutofit/>
+          </a:bodyPr>
+          <a:lstStyle>
+            <a:lvl1pPr marL="228600" indent="-228600" algn="l" defTabSz="914400" rtl="0" eaLnBrk="1" latinLnBrk="0" hangingPunct="1">
+              <a:lnSpc>
+                <a:spcPct val="120000"/>
+              </a:lnSpc>
+              <a:spcBef>
+                <a:spcPts val="1000"/>
+              </a:spcBef>
+              <a:buSzPct val="125000"/>
+              <a:buFont typeface="Arial" panose="020B0604020202020204" pitchFamily="34" charset="0"/>
+              <a:buChar char="•"/>
+              <a:defRPr sz="2400" kern="1200">
+                <a:solidFill>
+                  <a:schemeClr val="tx1"/>
+                </a:solidFill>
+                <a:effectLst>
+                  <a:outerShdw blurRad="152400" dist="38100" dir="2700000" algn="tl">
+                    <a:srgbClr val="000000">
+                      <a:alpha val="36000"/>
+                    </a:srgbClr>
+                  </a:outerShdw>
+                </a:effectLst>
+                <a:latin typeface="+mn-lt"/>
+                <a:ea typeface="+mn-ea"/>
+                <a:cs typeface="+mn-cs"/>
+              </a:defRPr>
+            </a:lvl1pPr>
+            <a:lvl2pPr marL="685800" indent="-228600" algn="l" defTabSz="914400" rtl="0" eaLnBrk="1" latinLnBrk="0" hangingPunct="1">
+              <a:lnSpc>
+                <a:spcPct val="120000"/>
+              </a:lnSpc>
+              <a:spcBef>
+                <a:spcPts val="500"/>
+              </a:spcBef>
+              <a:buSzPct val="125000"/>
+              <a:buFont typeface="Arial" panose="020B0604020202020204" pitchFamily="34" charset="0"/>
+              <a:buChar char="•"/>
+              <a:defRPr sz="2000" kern="1200">
+                <a:solidFill>
+                  <a:schemeClr val="tx1"/>
+                </a:solidFill>
+                <a:effectLst>
+                  <a:outerShdw blurRad="152400" dist="38100" dir="2700000" algn="tl">
+                    <a:srgbClr val="000000">
+                      <a:alpha val="36000"/>
+                    </a:srgbClr>
+                  </a:outerShdw>
+                </a:effectLst>
+                <a:latin typeface="+mn-lt"/>
+                <a:ea typeface="+mn-ea"/>
+                <a:cs typeface="+mn-cs"/>
+              </a:defRPr>
+            </a:lvl2pPr>
+            <a:lvl3pPr marL="1143000" indent="-228600" algn="l" defTabSz="914400" rtl="0" eaLnBrk="1" latinLnBrk="0" hangingPunct="1">
+              <a:lnSpc>
+                <a:spcPct val="120000"/>
+              </a:lnSpc>
+              <a:spcBef>
+                <a:spcPts val="500"/>
+              </a:spcBef>
+              <a:buSzPct val="125000"/>
+              <a:buFont typeface="Arial" panose="020B0604020202020204" pitchFamily="34" charset="0"/>
+              <a:buChar char="•"/>
+              <a:defRPr sz="1800" kern="1200">
+                <a:solidFill>
+                  <a:schemeClr val="tx1"/>
+                </a:solidFill>
+                <a:effectLst>
+                  <a:outerShdw blurRad="152400" dist="38100" dir="2700000" algn="tl">
+                    <a:srgbClr val="000000">
+                      <a:alpha val="36000"/>
+                    </a:srgbClr>
+                  </a:outerShdw>
+                </a:effectLst>
+                <a:latin typeface="+mn-lt"/>
+                <a:ea typeface="+mn-ea"/>
+                <a:cs typeface="+mn-cs"/>
+              </a:defRPr>
+            </a:lvl3pPr>
+            <a:lvl4pPr marL="1600200" indent="-228600" algn="l" defTabSz="914400" rtl="0" eaLnBrk="1" latinLnBrk="0" hangingPunct="1">
+              <a:lnSpc>
+                <a:spcPct val="120000"/>
+              </a:lnSpc>
+              <a:spcBef>
+                <a:spcPts val="500"/>
+              </a:spcBef>
+              <a:buSzPct val="125000"/>
+              <a:buFont typeface="Arial" panose="020B0604020202020204" pitchFamily="34" charset="0"/>
+              <a:buChar char="•"/>
+              <a:defRPr sz="1600" kern="1200">
+                <a:solidFill>
+                  <a:schemeClr val="tx1"/>
+                </a:solidFill>
+                <a:effectLst>
+                  <a:outerShdw blurRad="152400" dist="38100" dir="2700000" algn="tl">
+                    <a:srgbClr val="000000">
+                      <a:alpha val="36000"/>
+                    </a:srgbClr>
+                  </a:outerShdw>
+                </a:effectLst>
+                <a:latin typeface="+mn-lt"/>
+                <a:ea typeface="+mn-ea"/>
+                <a:cs typeface="+mn-cs"/>
+              </a:defRPr>
+            </a:lvl4pPr>
+            <a:lvl5pPr marL="2057400" indent="-228600" algn="l" defTabSz="914400" rtl="0" eaLnBrk="1" latinLnBrk="0" hangingPunct="1">
+              <a:lnSpc>
+                <a:spcPct val="120000"/>
+              </a:lnSpc>
+              <a:spcBef>
+                <a:spcPts val="500"/>
+              </a:spcBef>
+              <a:buSzPct val="125000"/>
+              <a:buFont typeface="Arial" panose="020B0604020202020204" pitchFamily="34" charset="0"/>
+              <a:buChar char="•"/>
+              <a:defRPr sz="1600" kern="1200">
+                <a:solidFill>
+                  <a:schemeClr val="tx1"/>
+                </a:solidFill>
+                <a:effectLst>
+                  <a:outerShdw blurRad="152400" dist="38100" dir="2700000" algn="tl">
+                    <a:srgbClr val="000000">
+                      <a:alpha val="36000"/>
+                    </a:srgbClr>
+                  </a:outerShdw>
+                </a:effectLst>
+                <a:latin typeface="+mn-lt"/>
+                <a:ea typeface="+mn-ea"/>
+                <a:cs typeface="+mn-cs"/>
+              </a:defRPr>
+            </a:lvl5pPr>
+            <a:lvl6pPr marL="2514600" indent="-228600" algn="l" defTabSz="914400" rtl="0" eaLnBrk="1" latinLnBrk="0" hangingPunct="1">
+              <a:lnSpc>
+                <a:spcPct val="120000"/>
+              </a:lnSpc>
+              <a:spcBef>
+                <a:spcPts val="500"/>
+              </a:spcBef>
+              <a:buSzPct val="125000"/>
+              <a:buFont typeface="Arial" panose="020B0604020202020204" pitchFamily="34" charset="0"/>
+              <a:buChar char="•"/>
+              <a:defRPr sz="1400" kern="1200">
+                <a:solidFill>
+                  <a:schemeClr val="tx1"/>
+                </a:solidFill>
+                <a:latin typeface="+mn-lt"/>
+                <a:ea typeface="+mn-ea"/>
+                <a:cs typeface="+mn-cs"/>
+              </a:defRPr>
+            </a:lvl6pPr>
+            <a:lvl7pPr marL="2971800" indent="-228600" algn="l" defTabSz="914400" rtl="0" eaLnBrk="1" latinLnBrk="0" hangingPunct="1">
+              <a:lnSpc>
+                <a:spcPct val="120000"/>
+              </a:lnSpc>
+              <a:spcBef>
+                <a:spcPts val="500"/>
+              </a:spcBef>
+              <a:buSzPct val="125000"/>
+              <a:buFont typeface="Arial" panose="020B0604020202020204" pitchFamily="34" charset="0"/>
+              <a:buChar char="•"/>
+              <a:defRPr sz="1400" kern="1200">
+                <a:solidFill>
+                  <a:schemeClr val="tx1"/>
+                </a:solidFill>
+                <a:latin typeface="+mn-lt"/>
+                <a:ea typeface="+mn-ea"/>
+                <a:cs typeface="+mn-cs"/>
+              </a:defRPr>
+            </a:lvl7pPr>
+            <a:lvl8pPr marL="3429000" indent="-228600" algn="l" defTabSz="914400" rtl="0" eaLnBrk="1" latinLnBrk="0" hangingPunct="1">
+              <a:lnSpc>
+                <a:spcPct val="120000"/>
+              </a:lnSpc>
+              <a:spcBef>
+                <a:spcPts val="500"/>
+              </a:spcBef>
+              <a:buSzPct val="125000"/>
+              <a:buFont typeface="Arial" panose="020B0604020202020204" pitchFamily="34" charset="0"/>
+              <a:buChar char="•"/>
+              <a:defRPr sz="1400" kern="1200">
+                <a:solidFill>
+                  <a:schemeClr val="tx1"/>
+                </a:solidFill>
+                <a:latin typeface="+mn-lt"/>
+                <a:ea typeface="+mn-ea"/>
+                <a:cs typeface="+mn-cs"/>
+              </a:defRPr>
+            </a:lvl8pPr>
+            <a:lvl9pPr marL="3886200" indent="-228600" algn="l" defTabSz="914400" rtl="0" eaLnBrk="1" latinLnBrk="0" hangingPunct="1">
+              <a:lnSpc>
+                <a:spcPct val="120000"/>
+              </a:lnSpc>
+              <a:spcBef>
+                <a:spcPts val="500"/>
+              </a:spcBef>
+              <a:buSzPct val="125000"/>
+              <a:buFont typeface="Arial" panose="020B0604020202020204" pitchFamily="34" charset="0"/>
+              <a:buChar char="•"/>
+              <a:defRPr sz="1400" kern="1200">
+                <a:solidFill>
+                  <a:schemeClr val="tx1"/>
+                </a:solidFill>
+                <a:latin typeface="+mn-lt"/>
+                <a:ea typeface="+mn-ea"/>
+                <a:cs typeface="+mn-cs"/>
+              </a:defRPr>
+            </a:lvl9pPr>
+          </a:lstStyle>
+          <a:p>
+            <a:r>
               <a:rPr lang="en-US" dirty="0"/>
-              <a:t>What do we want to discuss here? No PII? Other things?</a:t>
+              <a:t>Multiple </a:t>
             </a:r>
+            <a:r>
+              <a:rPr lang="en-US" dirty="0" err="1"/>
+              <a:t>dataframes</a:t>
+            </a:r>
+            <a:r>
+              <a:rPr lang="en-US" dirty="0"/>
+              <a:t> merged to one each for Yelp and Foursquare and exported to CSV</a:t>
+            </a:r>
+          </a:p>
+          <a:p>
+            <a:endParaRPr lang="en-US" dirty="0"/>
           </a:p>
         </p:txBody>
       </p:sp>
     </p:spTree>
     <p:extLst>
       <p:ext uri="{BB962C8B-B14F-4D97-AF65-F5344CB8AC3E}">
-        <p14:creationId xmlns:p14="http://schemas.microsoft.com/office/powerpoint/2010/main" val="3400599383"/>
+        <p14:creationId xmlns:p14="http://schemas.microsoft.com/office/powerpoint/2010/main" val="2485364713"/>
       </p:ext>
     </p:extLst>
   </p:cSld>
